--- a/present/LSM-WebOS.pptx
+++ b/present/LSM-WebOS.pptx
@@ -7,9 +7,10 @@
   <p:sldIdLst>
     <p:sldId id="257" r:id="rId2"/>
     <p:sldId id="260" r:id="rId3"/>
-    <p:sldId id="263" r:id="rId4"/>
-    <p:sldId id="261" r:id="rId5"/>
-    <p:sldId id="262" r:id="rId6"/>
+    <p:sldId id="264" r:id="rId4"/>
+    <p:sldId id="263" r:id="rId5"/>
+    <p:sldId id="261" r:id="rId6"/>
+    <p:sldId id="262" r:id="rId7"/>
   </p:sldIdLst>
   <p:sldSz cx="12192000" cy="6858000"/>
   <p:notesSz cx="6858000" cy="9144000"/>
@@ -247,7 +248,7 @@
           <a:p>
             <a:fld id="{97091162-3F0A-45CA-9196-DB275E8F9E6C}" type="datetimeFigureOut">
               <a:rPr lang="en-US" smtClean="0"/>
-              <a:t>9/24/2024</a:t>
+              <a:t>9/25/2024</a:t>
             </a:fld>
             <a:endParaRPr lang="en-US"/>
           </a:p>
@@ -417,7 +418,7 @@
           <a:p>
             <a:fld id="{97091162-3F0A-45CA-9196-DB275E8F9E6C}" type="datetimeFigureOut">
               <a:rPr lang="en-US" smtClean="0"/>
-              <a:t>9/24/2024</a:t>
+              <a:t>9/25/2024</a:t>
             </a:fld>
             <a:endParaRPr lang="en-US"/>
           </a:p>
@@ -597,7 +598,7 @@
           <a:p>
             <a:fld id="{97091162-3F0A-45CA-9196-DB275E8F9E6C}" type="datetimeFigureOut">
               <a:rPr lang="en-US" smtClean="0"/>
-              <a:t>9/24/2024</a:t>
+              <a:t>9/25/2024</a:t>
             </a:fld>
             <a:endParaRPr lang="en-US"/>
           </a:p>
@@ -767,7 +768,7 @@
           <a:p>
             <a:fld id="{97091162-3F0A-45CA-9196-DB275E8F9E6C}" type="datetimeFigureOut">
               <a:rPr lang="en-US" smtClean="0"/>
-              <a:t>9/24/2024</a:t>
+              <a:t>9/25/2024</a:t>
             </a:fld>
             <a:endParaRPr lang="en-US"/>
           </a:p>
@@ -1013,7 +1014,7 @@
           <a:p>
             <a:fld id="{97091162-3F0A-45CA-9196-DB275E8F9E6C}" type="datetimeFigureOut">
               <a:rPr lang="en-US" smtClean="0"/>
-              <a:t>9/24/2024</a:t>
+              <a:t>9/25/2024</a:t>
             </a:fld>
             <a:endParaRPr lang="en-US"/>
           </a:p>
@@ -1245,7 +1246,7 @@
           <a:p>
             <a:fld id="{97091162-3F0A-45CA-9196-DB275E8F9E6C}" type="datetimeFigureOut">
               <a:rPr lang="en-US" smtClean="0"/>
-              <a:t>9/24/2024</a:t>
+              <a:t>9/25/2024</a:t>
             </a:fld>
             <a:endParaRPr lang="en-US"/>
           </a:p>
@@ -1612,7 +1613,7 @@
           <a:p>
             <a:fld id="{97091162-3F0A-45CA-9196-DB275E8F9E6C}" type="datetimeFigureOut">
               <a:rPr lang="en-US" smtClean="0"/>
-              <a:t>9/24/2024</a:t>
+              <a:t>9/25/2024</a:t>
             </a:fld>
             <a:endParaRPr lang="en-US"/>
           </a:p>
@@ -1730,7 +1731,7 @@
           <a:p>
             <a:fld id="{97091162-3F0A-45CA-9196-DB275E8F9E6C}" type="datetimeFigureOut">
               <a:rPr lang="en-US" smtClean="0"/>
-              <a:t>9/24/2024</a:t>
+              <a:t>9/25/2024</a:t>
             </a:fld>
             <a:endParaRPr lang="en-US"/>
           </a:p>
@@ -1825,7 +1826,7 @@
           <a:p>
             <a:fld id="{97091162-3F0A-45CA-9196-DB275E8F9E6C}" type="datetimeFigureOut">
               <a:rPr lang="en-US" smtClean="0"/>
-              <a:t>9/24/2024</a:t>
+              <a:t>9/25/2024</a:t>
             </a:fld>
             <a:endParaRPr lang="en-US"/>
           </a:p>
@@ -2102,7 +2103,7 @@
           <a:p>
             <a:fld id="{97091162-3F0A-45CA-9196-DB275E8F9E6C}" type="datetimeFigureOut">
               <a:rPr lang="en-US" smtClean="0"/>
-              <a:t>9/24/2024</a:t>
+              <a:t>9/25/2024</a:t>
             </a:fld>
             <a:endParaRPr lang="en-US"/>
           </a:p>
@@ -2355,7 +2356,7 @@
           <a:p>
             <a:fld id="{97091162-3F0A-45CA-9196-DB275E8F9E6C}" type="datetimeFigureOut">
               <a:rPr lang="en-US" smtClean="0"/>
-              <a:t>9/24/2024</a:t>
+              <a:t>9/25/2024</a:t>
             </a:fld>
             <a:endParaRPr lang="en-US"/>
           </a:p>
@@ -2568,7 +2569,7 @@
           <a:p>
             <a:fld id="{97091162-3F0A-45CA-9196-DB275E8F9E6C}" type="datetimeFigureOut">
               <a:rPr lang="en-US" smtClean="0"/>
-              <a:t>9/24/2024</a:t>
+              <a:t>9/25/2024</a:t>
             </a:fld>
             <a:endParaRPr lang="en-US"/>
           </a:p>
@@ -4847,10 +4848,1606 @@
           </a:prstGeom>
         </p:spPr>
       </p:pic>
+      <p:sp>
+        <p:nvSpPr>
+          <p:cNvPr id="2" name="TextBox 1"/>
+          <p:cNvSpPr txBox="1"/>
+          <p:nvPr/>
+        </p:nvSpPr>
+        <p:spPr>
+          <a:xfrm>
+            <a:off x="247650" y="1098086"/>
+            <a:ext cx="2559868" cy="400110"/>
+          </a:xfrm>
+          <a:prstGeom prst="rect">
+            <a:avLst/>
+          </a:prstGeom>
+          <a:noFill/>
+        </p:spPr>
+        <p:txBody>
+          <a:bodyPr wrap="none" rtlCol="0">
+            <a:spAutoFit/>
+          </a:bodyPr>
+          <a:lstStyle/>
+          <a:p>
+            <a:r>
+              <a:rPr lang="en-US" sz="2000" b="1" dirty="0" smtClean="0"/>
+              <a:t>Luna Surface Manager</a:t>
+            </a:r>
+            <a:endParaRPr lang="en-US" sz="2000" b="1" dirty="0"/>
+          </a:p>
+        </p:txBody>
+      </p:sp>
+      <p:sp>
+        <p:nvSpPr>
+          <p:cNvPr id="3" name="Rectangle 2"/>
+          <p:cNvSpPr/>
+          <p:nvPr/>
+        </p:nvSpPr>
+        <p:spPr>
+          <a:xfrm>
+            <a:off x="776940" y="1558928"/>
+            <a:ext cx="10112189" cy="369332"/>
+          </a:xfrm>
+          <a:prstGeom prst="rect">
+            <a:avLst/>
+          </a:prstGeom>
+        </p:spPr>
+        <p:txBody>
+          <a:bodyPr wrap="square">
+            <a:spAutoFit/>
+          </a:bodyPr>
+          <a:lstStyle/>
+          <a:p>
+            <a:r>
+              <a:rPr lang="en-US" dirty="0" smtClean="0">
+                <a:solidFill>
+                  <a:srgbClr val="172B4D"/>
+                </a:solidFill>
+                <a:latin typeface="-apple-system"/>
+              </a:rPr>
+              <a:t>A Wayland Compositor and Window Manager in </a:t>
+            </a:r>
+            <a:r>
+              <a:rPr lang="en-US" dirty="0" err="1" smtClean="0">
+                <a:solidFill>
+                  <a:srgbClr val="172B4D"/>
+                </a:solidFill>
+                <a:latin typeface="-apple-system"/>
+              </a:rPr>
+              <a:t>WebOS</a:t>
+            </a:r>
+            <a:endParaRPr lang="en-US" b="0" i="0" dirty="0">
+              <a:solidFill>
+                <a:srgbClr val="172B4D"/>
+              </a:solidFill>
+              <a:effectLst/>
+              <a:latin typeface="-apple-system"/>
+            </a:endParaRPr>
+          </a:p>
+        </p:txBody>
+      </p:sp>
+      <p:sp>
+        <p:nvSpPr>
+          <p:cNvPr id="10" name="Rectangle 9"/>
+          <p:cNvSpPr/>
+          <p:nvPr/>
+        </p:nvSpPr>
+        <p:spPr>
+          <a:xfrm>
+            <a:off x="776940" y="1988992"/>
+            <a:ext cx="10112189" cy="369332"/>
+          </a:xfrm>
+          <a:prstGeom prst="rect">
+            <a:avLst/>
+          </a:prstGeom>
+        </p:spPr>
+        <p:txBody>
+          <a:bodyPr wrap="square">
+            <a:spAutoFit/>
+          </a:bodyPr>
+          <a:lstStyle/>
+          <a:p>
+            <a:r>
+              <a:rPr lang="en-US" dirty="0" smtClean="0">
+                <a:solidFill>
+                  <a:srgbClr val="172B4D"/>
+                </a:solidFill>
+                <a:latin typeface="-apple-system"/>
+              </a:rPr>
+              <a:t>A component works as a graphics and window manager</a:t>
+            </a:r>
+            <a:endParaRPr lang="en-US" b="0" i="0" dirty="0">
+              <a:solidFill>
+                <a:srgbClr val="172B4D"/>
+              </a:solidFill>
+              <a:effectLst/>
+              <a:latin typeface="-apple-system"/>
+            </a:endParaRPr>
+          </a:p>
+        </p:txBody>
+      </p:sp>
+      <p:sp>
+        <p:nvSpPr>
+          <p:cNvPr id="13" name="Rectangle 12"/>
+          <p:cNvSpPr/>
+          <p:nvPr/>
+        </p:nvSpPr>
+        <p:spPr>
+          <a:xfrm>
+            <a:off x="776940" y="2419056"/>
+            <a:ext cx="10112189" cy="369332"/>
+          </a:xfrm>
+          <a:prstGeom prst="rect">
+            <a:avLst/>
+          </a:prstGeom>
+        </p:spPr>
+        <p:txBody>
+          <a:bodyPr wrap="square">
+            <a:spAutoFit/>
+          </a:bodyPr>
+          <a:lstStyle/>
+          <a:p>
+            <a:r>
+              <a:rPr lang="en-US" dirty="0" smtClean="0">
+                <a:solidFill>
+                  <a:srgbClr val="172B4D"/>
+                </a:solidFill>
+                <a:latin typeface="-apple-system"/>
+              </a:rPr>
+              <a:t>Management of System UI (App Bar and Notification)</a:t>
+            </a:r>
+            <a:endParaRPr lang="en-US" b="0" i="0" dirty="0">
+              <a:solidFill>
+                <a:srgbClr val="172B4D"/>
+              </a:solidFill>
+              <a:effectLst/>
+              <a:latin typeface="-apple-system"/>
+            </a:endParaRPr>
+          </a:p>
+        </p:txBody>
+      </p:sp>
+      <p:sp>
+        <p:nvSpPr>
+          <p:cNvPr id="14" name="Rectangle 13"/>
+          <p:cNvSpPr/>
+          <p:nvPr/>
+        </p:nvSpPr>
+        <p:spPr>
+          <a:xfrm>
+            <a:off x="776940" y="2849120"/>
+            <a:ext cx="10112189" cy="369332"/>
+          </a:xfrm>
+          <a:prstGeom prst="rect">
+            <a:avLst/>
+          </a:prstGeom>
+        </p:spPr>
+        <p:txBody>
+          <a:bodyPr wrap="square">
+            <a:spAutoFit/>
+          </a:bodyPr>
+          <a:lstStyle/>
+          <a:p>
+            <a:r>
+              <a:rPr lang="en-US" dirty="0" smtClean="0">
+                <a:solidFill>
+                  <a:srgbClr val="172B4D"/>
+                </a:solidFill>
+                <a:latin typeface="-apple-system"/>
+              </a:rPr>
+              <a:t>Implemented using </a:t>
+            </a:r>
+            <a:r>
+              <a:rPr lang="en-US" dirty="0" err="1" smtClean="0">
+                <a:solidFill>
+                  <a:srgbClr val="172B4D"/>
+                </a:solidFill>
+                <a:latin typeface="-apple-system"/>
+              </a:rPr>
+              <a:t>Qt</a:t>
+            </a:r>
+            <a:r>
+              <a:rPr lang="en-US" dirty="0" smtClean="0">
+                <a:solidFill>
+                  <a:srgbClr val="172B4D"/>
+                </a:solidFill>
+                <a:latin typeface="-apple-system"/>
+              </a:rPr>
+              <a:t> and System UI is implemented using QML</a:t>
+            </a:r>
+            <a:endParaRPr lang="en-US" b="0" i="0" dirty="0">
+              <a:solidFill>
+                <a:srgbClr val="172B4D"/>
+              </a:solidFill>
+              <a:effectLst/>
+              <a:latin typeface="-apple-system"/>
+            </a:endParaRPr>
+          </a:p>
+        </p:txBody>
+      </p:sp>
+      <p:sp>
+        <p:nvSpPr>
+          <p:cNvPr id="15" name="Rectangle 14"/>
+          <p:cNvSpPr/>
+          <p:nvPr/>
+        </p:nvSpPr>
+        <p:spPr>
+          <a:xfrm>
+            <a:off x="776940" y="3279184"/>
+            <a:ext cx="10112189" cy="369332"/>
+          </a:xfrm>
+          <a:prstGeom prst="rect">
+            <a:avLst/>
+          </a:prstGeom>
+        </p:spPr>
+        <p:txBody>
+          <a:bodyPr wrap="square">
+            <a:spAutoFit/>
+          </a:bodyPr>
+          <a:lstStyle/>
+          <a:p>
+            <a:r>
+              <a:rPr lang="en-US" dirty="0">
+                <a:solidFill>
+                  <a:srgbClr val="172B4D"/>
+                </a:solidFill>
+                <a:latin typeface="-apple-system"/>
+              </a:rPr>
+              <a:t>Developed using QML</a:t>
+            </a:r>
+            <a:endParaRPr lang="en-US" dirty="0">
+              <a:solidFill>
+                <a:srgbClr val="172B4D"/>
+              </a:solidFill>
+              <a:latin typeface="-apple-system"/>
+            </a:endParaRPr>
+          </a:p>
+        </p:txBody>
+      </p:sp>
+      <p:sp>
+        <p:nvSpPr>
+          <p:cNvPr id="16" name="TextBox 15"/>
+          <p:cNvSpPr txBox="1"/>
+          <p:nvPr/>
+        </p:nvSpPr>
+        <p:spPr>
+          <a:xfrm>
+            <a:off x="247650" y="3716256"/>
+            <a:ext cx="1852687" cy="400110"/>
+          </a:xfrm>
+          <a:prstGeom prst="rect">
+            <a:avLst/>
+          </a:prstGeom>
+          <a:noFill/>
+        </p:spPr>
+        <p:txBody>
+          <a:bodyPr wrap="none" rtlCol="0">
+            <a:spAutoFit/>
+          </a:bodyPr>
+          <a:lstStyle/>
+          <a:p>
+            <a:r>
+              <a:rPr lang="en-US" sz="2000" b="1" dirty="0" smtClean="0"/>
+              <a:t>Features/Roles:</a:t>
+            </a:r>
+            <a:endParaRPr lang="en-US" sz="2000" b="1" dirty="0"/>
+          </a:p>
+        </p:txBody>
+      </p:sp>
+      <p:sp>
+        <p:nvSpPr>
+          <p:cNvPr id="17" name="Rectangle 16"/>
+          <p:cNvSpPr/>
+          <p:nvPr/>
+        </p:nvSpPr>
+        <p:spPr>
+          <a:xfrm>
+            <a:off x="776940" y="4120701"/>
+            <a:ext cx="10388065" cy="646331"/>
+          </a:xfrm>
+          <a:prstGeom prst="rect">
+            <a:avLst/>
+          </a:prstGeom>
+        </p:spPr>
+        <p:txBody>
+          <a:bodyPr wrap="square">
+            <a:spAutoFit/>
+          </a:bodyPr>
+          <a:lstStyle/>
+          <a:p>
+            <a:r>
+              <a:rPr lang="en-US" dirty="0" smtClean="0">
+                <a:solidFill>
+                  <a:srgbClr val="172B4D"/>
+                </a:solidFill>
+                <a:latin typeface="-apple-system"/>
+              </a:rPr>
+              <a:t>- Compositing and managing different windows: </a:t>
+            </a:r>
+            <a:r>
+              <a:rPr lang="en-US" dirty="0" err="1" smtClean="0">
+                <a:solidFill>
+                  <a:srgbClr val="172B4D"/>
+                </a:solidFill>
+                <a:latin typeface="-apple-system"/>
+              </a:rPr>
+              <a:t>webOS</a:t>
+            </a:r>
+            <a:r>
+              <a:rPr lang="en-US" dirty="0" smtClean="0">
+                <a:solidFill>
+                  <a:srgbClr val="172B4D"/>
+                </a:solidFill>
+                <a:latin typeface="-apple-system"/>
+              </a:rPr>
+              <a:t> cards, Launcher, Showcase application, Notification, Virtual keyboard, Cursor Window</a:t>
+            </a:r>
+            <a:endParaRPr lang="en-US" b="0" i="0" dirty="0">
+              <a:solidFill>
+                <a:srgbClr val="172B4D"/>
+              </a:solidFill>
+              <a:effectLst/>
+              <a:latin typeface="-apple-system"/>
+            </a:endParaRPr>
+          </a:p>
+        </p:txBody>
+      </p:sp>
+      <p:sp>
+        <p:nvSpPr>
+          <p:cNvPr id="18" name="Rectangle 17"/>
+          <p:cNvSpPr/>
+          <p:nvPr/>
+        </p:nvSpPr>
+        <p:spPr>
+          <a:xfrm>
+            <a:off x="776939" y="4771367"/>
+            <a:ext cx="10112189" cy="646331"/>
+          </a:xfrm>
+          <a:prstGeom prst="rect">
+            <a:avLst/>
+          </a:prstGeom>
+        </p:spPr>
+        <p:txBody>
+          <a:bodyPr wrap="square">
+            <a:spAutoFit/>
+          </a:bodyPr>
+          <a:lstStyle/>
+          <a:p>
+            <a:r>
+              <a:rPr lang="en-US" dirty="0" smtClean="0">
+                <a:solidFill>
+                  <a:srgbClr val="172B4D"/>
+                </a:solidFill>
+                <a:latin typeface="-apple-system"/>
+              </a:rPr>
+              <a:t>- Compositing the content of different types of applications into </a:t>
+            </a:r>
+            <a:r>
+              <a:rPr lang="en-US" dirty="0" err="1" smtClean="0">
+                <a:solidFill>
+                  <a:srgbClr val="172B4D"/>
+                </a:solidFill>
+                <a:latin typeface="-apple-system"/>
+              </a:rPr>
+              <a:t>webOS</a:t>
+            </a:r>
+            <a:r>
+              <a:rPr lang="en-US" dirty="0" smtClean="0">
+                <a:solidFill>
+                  <a:srgbClr val="172B4D"/>
+                </a:solidFill>
+                <a:latin typeface="-apple-system"/>
+              </a:rPr>
+              <a:t> Cards: web apps, Native apps (</a:t>
+            </a:r>
+            <a:r>
+              <a:rPr lang="en-US" dirty="0" err="1" smtClean="0">
+                <a:solidFill>
+                  <a:srgbClr val="172B4D"/>
+                </a:solidFill>
+                <a:latin typeface="-apple-system"/>
+              </a:rPr>
+              <a:t>Qt</a:t>
+            </a:r>
+            <a:r>
+              <a:rPr lang="en-US" dirty="0" smtClean="0">
+                <a:solidFill>
+                  <a:srgbClr val="172B4D"/>
+                </a:solidFill>
+                <a:latin typeface="-apple-system"/>
+              </a:rPr>
+              <a:t>/</a:t>
+            </a:r>
+            <a:r>
+              <a:rPr lang="en-US" dirty="0" err="1" smtClean="0">
+                <a:solidFill>
+                  <a:srgbClr val="172B4D"/>
+                </a:solidFill>
+                <a:latin typeface="-apple-system"/>
+              </a:rPr>
+              <a:t>Qml</a:t>
+            </a:r>
+            <a:r>
+              <a:rPr lang="en-US" dirty="0" smtClean="0">
+                <a:solidFill>
+                  <a:srgbClr val="172B4D"/>
+                </a:solidFill>
+                <a:latin typeface="-apple-system"/>
+              </a:rPr>
+              <a:t>, C/C++), Hybrid (</a:t>
+            </a:r>
+            <a:r>
+              <a:rPr lang="en-US" dirty="0" err="1" smtClean="0">
+                <a:solidFill>
+                  <a:srgbClr val="172B4D"/>
+                </a:solidFill>
+                <a:latin typeface="-apple-system"/>
+              </a:rPr>
+              <a:t>Js</a:t>
+            </a:r>
+            <a:r>
+              <a:rPr lang="en-US" dirty="0" smtClean="0">
+                <a:solidFill>
+                  <a:srgbClr val="172B4D"/>
+                </a:solidFill>
+                <a:latin typeface="-apple-system"/>
+              </a:rPr>
+              <a:t>/C++) apps</a:t>
+            </a:r>
+            <a:endParaRPr lang="en-US" b="0" i="0" dirty="0">
+              <a:solidFill>
+                <a:srgbClr val="172B4D"/>
+              </a:solidFill>
+              <a:effectLst/>
+              <a:latin typeface="-apple-system"/>
+            </a:endParaRPr>
+          </a:p>
+        </p:txBody>
+      </p:sp>
+      <p:sp>
+        <p:nvSpPr>
+          <p:cNvPr id="19" name="Rectangle 18"/>
+          <p:cNvSpPr/>
+          <p:nvPr/>
+        </p:nvSpPr>
+        <p:spPr>
+          <a:xfrm>
+            <a:off x="776938" y="5422033"/>
+            <a:ext cx="10112189" cy="369332"/>
+          </a:xfrm>
+          <a:prstGeom prst="rect">
+            <a:avLst/>
+          </a:prstGeom>
+        </p:spPr>
+        <p:txBody>
+          <a:bodyPr wrap="square">
+            <a:spAutoFit/>
+          </a:bodyPr>
+          <a:lstStyle/>
+          <a:p>
+            <a:r>
+              <a:rPr lang="en-US" dirty="0" smtClean="0">
+                <a:solidFill>
+                  <a:srgbClr val="172B4D"/>
+                </a:solidFill>
+                <a:latin typeface="-apple-system"/>
+              </a:rPr>
+              <a:t>- Applying an input policy for system and applications</a:t>
+            </a:r>
+            <a:endParaRPr lang="en-US" b="0" i="0" dirty="0">
+              <a:solidFill>
+                <a:srgbClr val="172B4D"/>
+              </a:solidFill>
+              <a:effectLst/>
+              <a:latin typeface="-apple-system"/>
+            </a:endParaRPr>
+          </a:p>
+        </p:txBody>
+      </p:sp>
+      <p:sp>
+        <p:nvSpPr>
+          <p:cNvPr id="20" name="Rectangle 19"/>
+          <p:cNvSpPr/>
+          <p:nvPr/>
+        </p:nvSpPr>
+        <p:spPr>
+          <a:xfrm>
+            <a:off x="776937" y="5795700"/>
+            <a:ext cx="10112189" cy="369332"/>
+          </a:xfrm>
+          <a:prstGeom prst="rect">
+            <a:avLst/>
+          </a:prstGeom>
+        </p:spPr>
+        <p:txBody>
+          <a:bodyPr wrap="square">
+            <a:spAutoFit/>
+          </a:bodyPr>
+          <a:lstStyle/>
+          <a:p>
+            <a:r>
+              <a:rPr lang="en-US" dirty="0" smtClean="0">
+                <a:solidFill>
+                  <a:srgbClr val="172B4D"/>
+                </a:solidFill>
+                <a:latin typeface="-apple-system"/>
+              </a:rPr>
+              <a:t>- Interacting with WAM and SAM over LS2</a:t>
+            </a:r>
+            <a:endParaRPr lang="en-US" b="0" i="0" dirty="0">
+              <a:solidFill>
+                <a:srgbClr val="172B4D"/>
+              </a:solidFill>
+              <a:effectLst/>
+              <a:latin typeface="-apple-system"/>
+            </a:endParaRPr>
+          </a:p>
+        </p:txBody>
+      </p:sp>
+      <p:sp>
+        <p:nvSpPr>
+          <p:cNvPr id="21" name="Rectangle 20"/>
+          <p:cNvSpPr/>
+          <p:nvPr/>
+        </p:nvSpPr>
+        <p:spPr>
+          <a:xfrm>
+            <a:off x="776937" y="6169368"/>
+            <a:ext cx="10112189" cy="369332"/>
+          </a:xfrm>
+          <a:prstGeom prst="rect">
+            <a:avLst/>
+          </a:prstGeom>
+        </p:spPr>
+        <p:txBody>
+          <a:bodyPr wrap="square">
+            <a:spAutoFit/>
+          </a:bodyPr>
+          <a:lstStyle/>
+          <a:p>
+            <a:r>
+              <a:rPr lang="en-US" dirty="0" smtClean="0">
+                <a:solidFill>
+                  <a:srgbClr val="172B4D"/>
+                </a:solidFill>
+                <a:latin typeface="-apple-system"/>
+              </a:rPr>
+              <a:t>- Creating UX transitions and animations for different windows</a:t>
+            </a:r>
+            <a:endParaRPr lang="en-US" b="0" i="0" dirty="0">
+              <a:solidFill>
+                <a:srgbClr val="172B4D"/>
+              </a:solidFill>
+              <a:effectLst/>
+              <a:latin typeface="-apple-system"/>
+            </a:endParaRPr>
+          </a:p>
+        </p:txBody>
+      </p:sp>
     </p:spTree>
     <p:extLst>
       <p:ext uri="{BB962C8B-B14F-4D97-AF65-F5344CB8AC3E}">
         <p14:creationId xmlns:p14="http://schemas.microsoft.com/office/powerpoint/2010/main" val="521303878"/>
+      </p:ext>
+    </p:extLst>
+  </p:cSld>
+  <p:clrMapOvr>
+    <a:masterClrMapping/>
+  </p:clrMapOvr>
+  <p:timing>
+    <p:tnLst>
+      <p:par>
+        <p:cTn id="1" dur="indefinite" restart="never" nodeType="tmRoot">
+          <p:childTnLst>
+            <p:seq concurrent="1" nextAc="seek">
+              <p:cTn id="2" dur="indefinite" nodeType="mainSeq">
+                <p:childTnLst>
+                  <p:par>
+                    <p:cTn id="3" fill="hold">
+                      <p:stCondLst>
+                        <p:cond delay="indefinite"/>
+                      </p:stCondLst>
+                      <p:childTnLst>
+                        <p:par>
+                          <p:cTn id="4" fill="hold">
+                            <p:stCondLst>
+                              <p:cond delay="0"/>
+                            </p:stCondLst>
+                            <p:childTnLst>
+                              <p:par>
+                                <p:cTn id="5" presetID="1" presetClass="entr" presetSubtype="0" fill="hold" grpId="0" nodeType="clickEffect">
+                                  <p:stCondLst>
+                                    <p:cond delay="0"/>
+                                  </p:stCondLst>
+                                  <p:childTnLst>
+                                    <p:set>
+                                      <p:cBhvr>
+                                        <p:cTn id="6" dur="1" fill="hold">
+                                          <p:stCondLst>
+                                            <p:cond delay="0"/>
+                                          </p:stCondLst>
+                                        </p:cTn>
+                                        <p:tgtEl>
+                                          <p:spTgt spid="2"/>
+                                        </p:tgtEl>
+                                        <p:attrNameLst>
+                                          <p:attrName>style.visibility</p:attrName>
+                                        </p:attrNameLst>
+                                      </p:cBhvr>
+                                      <p:to>
+                                        <p:strVal val="visible"/>
+                                      </p:to>
+                                    </p:set>
+                                  </p:childTnLst>
+                                </p:cTn>
+                              </p:par>
+                              <p:par>
+                                <p:cTn id="7" presetID="1" presetClass="entr" presetSubtype="0" fill="hold" grpId="0" nodeType="withEffect">
+                                  <p:stCondLst>
+                                    <p:cond delay="0"/>
+                                  </p:stCondLst>
+                                  <p:childTnLst>
+                                    <p:set>
+                                      <p:cBhvr>
+                                        <p:cTn id="8" dur="1" fill="hold">
+                                          <p:stCondLst>
+                                            <p:cond delay="0"/>
+                                          </p:stCondLst>
+                                        </p:cTn>
+                                        <p:tgtEl>
+                                          <p:spTgt spid="3"/>
+                                        </p:tgtEl>
+                                        <p:attrNameLst>
+                                          <p:attrName>style.visibility</p:attrName>
+                                        </p:attrNameLst>
+                                      </p:cBhvr>
+                                      <p:to>
+                                        <p:strVal val="visible"/>
+                                      </p:to>
+                                    </p:set>
+                                  </p:childTnLst>
+                                </p:cTn>
+                              </p:par>
+                              <p:par>
+                                <p:cTn id="9" presetID="1" presetClass="entr" presetSubtype="0" fill="hold" grpId="0" nodeType="withEffect">
+                                  <p:stCondLst>
+                                    <p:cond delay="0"/>
+                                  </p:stCondLst>
+                                  <p:childTnLst>
+                                    <p:set>
+                                      <p:cBhvr>
+                                        <p:cTn id="10" dur="1" fill="hold">
+                                          <p:stCondLst>
+                                            <p:cond delay="0"/>
+                                          </p:stCondLst>
+                                        </p:cTn>
+                                        <p:tgtEl>
+                                          <p:spTgt spid="10"/>
+                                        </p:tgtEl>
+                                        <p:attrNameLst>
+                                          <p:attrName>style.visibility</p:attrName>
+                                        </p:attrNameLst>
+                                      </p:cBhvr>
+                                      <p:to>
+                                        <p:strVal val="visible"/>
+                                      </p:to>
+                                    </p:set>
+                                  </p:childTnLst>
+                                </p:cTn>
+                              </p:par>
+                              <p:par>
+                                <p:cTn id="11" presetID="1" presetClass="entr" presetSubtype="0" fill="hold" grpId="0" nodeType="withEffect">
+                                  <p:stCondLst>
+                                    <p:cond delay="0"/>
+                                  </p:stCondLst>
+                                  <p:childTnLst>
+                                    <p:set>
+                                      <p:cBhvr>
+                                        <p:cTn id="12" dur="1" fill="hold">
+                                          <p:stCondLst>
+                                            <p:cond delay="0"/>
+                                          </p:stCondLst>
+                                        </p:cTn>
+                                        <p:tgtEl>
+                                          <p:spTgt spid="13"/>
+                                        </p:tgtEl>
+                                        <p:attrNameLst>
+                                          <p:attrName>style.visibility</p:attrName>
+                                        </p:attrNameLst>
+                                      </p:cBhvr>
+                                      <p:to>
+                                        <p:strVal val="visible"/>
+                                      </p:to>
+                                    </p:set>
+                                  </p:childTnLst>
+                                </p:cTn>
+                              </p:par>
+                              <p:par>
+                                <p:cTn id="13" presetID="1" presetClass="entr" presetSubtype="0" fill="hold" grpId="0" nodeType="withEffect">
+                                  <p:stCondLst>
+                                    <p:cond delay="0"/>
+                                  </p:stCondLst>
+                                  <p:childTnLst>
+                                    <p:set>
+                                      <p:cBhvr>
+                                        <p:cTn id="14" dur="1" fill="hold">
+                                          <p:stCondLst>
+                                            <p:cond delay="0"/>
+                                          </p:stCondLst>
+                                        </p:cTn>
+                                        <p:tgtEl>
+                                          <p:spTgt spid="14"/>
+                                        </p:tgtEl>
+                                        <p:attrNameLst>
+                                          <p:attrName>style.visibility</p:attrName>
+                                        </p:attrNameLst>
+                                      </p:cBhvr>
+                                      <p:to>
+                                        <p:strVal val="visible"/>
+                                      </p:to>
+                                    </p:set>
+                                  </p:childTnLst>
+                                </p:cTn>
+                              </p:par>
+                              <p:par>
+                                <p:cTn id="15" presetID="1" presetClass="entr" presetSubtype="0" fill="hold" grpId="0" nodeType="withEffect">
+                                  <p:stCondLst>
+                                    <p:cond delay="0"/>
+                                  </p:stCondLst>
+                                  <p:childTnLst>
+                                    <p:set>
+                                      <p:cBhvr>
+                                        <p:cTn id="16" dur="1" fill="hold">
+                                          <p:stCondLst>
+                                            <p:cond delay="0"/>
+                                          </p:stCondLst>
+                                        </p:cTn>
+                                        <p:tgtEl>
+                                          <p:spTgt spid="15"/>
+                                        </p:tgtEl>
+                                        <p:attrNameLst>
+                                          <p:attrName>style.visibility</p:attrName>
+                                        </p:attrNameLst>
+                                      </p:cBhvr>
+                                      <p:to>
+                                        <p:strVal val="visible"/>
+                                      </p:to>
+                                    </p:set>
+                                  </p:childTnLst>
+                                </p:cTn>
+                              </p:par>
+                            </p:childTnLst>
+                          </p:cTn>
+                        </p:par>
+                      </p:childTnLst>
+                    </p:cTn>
+                  </p:par>
+                  <p:par>
+                    <p:cTn id="17" fill="hold">
+                      <p:stCondLst>
+                        <p:cond delay="indefinite"/>
+                      </p:stCondLst>
+                      <p:childTnLst>
+                        <p:par>
+                          <p:cTn id="18" fill="hold">
+                            <p:stCondLst>
+                              <p:cond delay="0"/>
+                            </p:stCondLst>
+                            <p:childTnLst>
+                              <p:par>
+                                <p:cTn id="19" presetID="1" presetClass="entr" presetSubtype="0" fill="hold" grpId="0" nodeType="clickEffect">
+                                  <p:stCondLst>
+                                    <p:cond delay="0"/>
+                                  </p:stCondLst>
+                                  <p:childTnLst>
+                                    <p:set>
+                                      <p:cBhvr>
+                                        <p:cTn id="20" dur="1" fill="hold">
+                                          <p:stCondLst>
+                                            <p:cond delay="0"/>
+                                          </p:stCondLst>
+                                        </p:cTn>
+                                        <p:tgtEl>
+                                          <p:spTgt spid="16"/>
+                                        </p:tgtEl>
+                                        <p:attrNameLst>
+                                          <p:attrName>style.visibility</p:attrName>
+                                        </p:attrNameLst>
+                                      </p:cBhvr>
+                                      <p:to>
+                                        <p:strVal val="visible"/>
+                                      </p:to>
+                                    </p:set>
+                                  </p:childTnLst>
+                                </p:cTn>
+                              </p:par>
+                              <p:par>
+                                <p:cTn id="21" presetID="1" presetClass="entr" presetSubtype="0" fill="hold" grpId="0" nodeType="withEffect">
+                                  <p:stCondLst>
+                                    <p:cond delay="0"/>
+                                  </p:stCondLst>
+                                  <p:childTnLst>
+                                    <p:set>
+                                      <p:cBhvr>
+                                        <p:cTn id="22" dur="1" fill="hold">
+                                          <p:stCondLst>
+                                            <p:cond delay="0"/>
+                                          </p:stCondLst>
+                                        </p:cTn>
+                                        <p:tgtEl>
+                                          <p:spTgt spid="17"/>
+                                        </p:tgtEl>
+                                        <p:attrNameLst>
+                                          <p:attrName>style.visibility</p:attrName>
+                                        </p:attrNameLst>
+                                      </p:cBhvr>
+                                      <p:to>
+                                        <p:strVal val="visible"/>
+                                      </p:to>
+                                    </p:set>
+                                  </p:childTnLst>
+                                </p:cTn>
+                              </p:par>
+                              <p:par>
+                                <p:cTn id="23" presetID="1" presetClass="entr" presetSubtype="0" fill="hold" grpId="0" nodeType="withEffect">
+                                  <p:stCondLst>
+                                    <p:cond delay="0"/>
+                                  </p:stCondLst>
+                                  <p:childTnLst>
+                                    <p:set>
+                                      <p:cBhvr>
+                                        <p:cTn id="24" dur="1" fill="hold">
+                                          <p:stCondLst>
+                                            <p:cond delay="0"/>
+                                          </p:stCondLst>
+                                        </p:cTn>
+                                        <p:tgtEl>
+                                          <p:spTgt spid="18"/>
+                                        </p:tgtEl>
+                                        <p:attrNameLst>
+                                          <p:attrName>style.visibility</p:attrName>
+                                        </p:attrNameLst>
+                                      </p:cBhvr>
+                                      <p:to>
+                                        <p:strVal val="visible"/>
+                                      </p:to>
+                                    </p:set>
+                                  </p:childTnLst>
+                                </p:cTn>
+                              </p:par>
+                              <p:par>
+                                <p:cTn id="25" presetID="1" presetClass="entr" presetSubtype="0" fill="hold" grpId="0" nodeType="withEffect">
+                                  <p:stCondLst>
+                                    <p:cond delay="0"/>
+                                  </p:stCondLst>
+                                  <p:childTnLst>
+                                    <p:set>
+                                      <p:cBhvr>
+                                        <p:cTn id="26" dur="1" fill="hold">
+                                          <p:stCondLst>
+                                            <p:cond delay="0"/>
+                                          </p:stCondLst>
+                                        </p:cTn>
+                                        <p:tgtEl>
+                                          <p:spTgt spid="19"/>
+                                        </p:tgtEl>
+                                        <p:attrNameLst>
+                                          <p:attrName>style.visibility</p:attrName>
+                                        </p:attrNameLst>
+                                      </p:cBhvr>
+                                      <p:to>
+                                        <p:strVal val="visible"/>
+                                      </p:to>
+                                    </p:set>
+                                  </p:childTnLst>
+                                </p:cTn>
+                              </p:par>
+                              <p:par>
+                                <p:cTn id="27" presetID="1" presetClass="entr" presetSubtype="0" fill="hold" grpId="0" nodeType="withEffect">
+                                  <p:stCondLst>
+                                    <p:cond delay="0"/>
+                                  </p:stCondLst>
+                                  <p:childTnLst>
+                                    <p:set>
+                                      <p:cBhvr>
+                                        <p:cTn id="28" dur="1" fill="hold">
+                                          <p:stCondLst>
+                                            <p:cond delay="0"/>
+                                          </p:stCondLst>
+                                        </p:cTn>
+                                        <p:tgtEl>
+                                          <p:spTgt spid="20"/>
+                                        </p:tgtEl>
+                                        <p:attrNameLst>
+                                          <p:attrName>style.visibility</p:attrName>
+                                        </p:attrNameLst>
+                                      </p:cBhvr>
+                                      <p:to>
+                                        <p:strVal val="visible"/>
+                                      </p:to>
+                                    </p:set>
+                                  </p:childTnLst>
+                                </p:cTn>
+                              </p:par>
+                              <p:par>
+                                <p:cTn id="29" presetID="1" presetClass="entr" presetSubtype="0" fill="hold" grpId="0" nodeType="withEffect">
+                                  <p:stCondLst>
+                                    <p:cond delay="0"/>
+                                  </p:stCondLst>
+                                  <p:childTnLst>
+                                    <p:set>
+                                      <p:cBhvr>
+                                        <p:cTn id="30" dur="1" fill="hold">
+                                          <p:stCondLst>
+                                            <p:cond delay="0"/>
+                                          </p:stCondLst>
+                                        </p:cTn>
+                                        <p:tgtEl>
+                                          <p:spTgt spid="21"/>
+                                        </p:tgtEl>
+                                        <p:attrNameLst>
+                                          <p:attrName>style.visibility</p:attrName>
+                                        </p:attrNameLst>
+                                      </p:cBhvr>
+                                      <p:to>
+                                        <p:strVal val="visible"/>
+                                      </p:to>
+                                    </p:set>
+                                  </p:childTnLst>
+                                </p:cTn>
+                              </p:par>
+                            </p:childTnLst>
+                          </p:cTn>
+                        </p:par>
+                      </p:childTnLst>
+                    </p:cTn>
+                  </p:par>
+                </p:childTnLst>
+              </p:cTn>
+              <p:prevCondLst>
+                <p:cond evt="onPrev" delay="0">
+                  <p:tgtEl>
+                    <p:sldTgt/>
+                  </p:tgtEl>
+                </p:cond>
+              </p:prevCondLst>
+              <p:nextCondLst>
+                <p:cond evt="onNext" delay="0">
+                  <p:tgtEl>
+                    <p:sldTgt/>
+                  </p:tgtEl>
+                </p:cond>
+              </p:nextCondLst>
+            </p:seq>
+          </p:childTnLst>
+        </p:cTn>
+      </p:par>
+    </p:tnLst>
+    <p:bldLst>
+      <p:bldP spid="2" grpId="0"/>
+      <p:bldP spid="3" grpId="0"/>
+      <p:bldP spid="10" grpId="0"/>
+      <p:bldP spid="13" grpId="0"/>
+      <p:bldP spid="14" grpId="0"/>
+      <p:bldP spid="15" grpId="0"/>
+      <p:bldP spid="16" grpId="0"/>
+      <p:bldP spid="17" grpId="0"/>
+      <p:bldP spid="18" grpId="0"/>
+      <p:bldP spid="19" grpId="0"/>
+      <p:bldP spid="20" grpId="0"/>
+      <p:bldP spid="21" grpId="0"/>
+    </p:bldLst>
+  </p:timing>
+</p:sld>
+</file>
+
+<file path=ppt/slides/slide3.xml><?xml version="1.0" encoding="utf-8"?>
+<p:sld xmlns:a="http://schemas.openxmlformats.org/drawingml/2006/main" xmlns:r="http://schemas.openxmlformats.org/officeDocument/2006/relationships" xmlns:p="http://schemas.openxmlformats.org/presentationml/2006/main">
+  <p:cSld>
+    <p:spTree>
+      <p:nvGrpSpPr>
+        <p:cNvPr id="1" name=""/>
+        <p:cNvGrpSpPr/>
+        <p:nvPr/>
+      </p:nvGrpSpPr>
+      <p:grpSpPr>
+        <a:xfrm>
+          <a:off x="0" y="0"/>
+          <a:ext cx="0" cy="0"/>
+          <a:chOff x="0" y="0"/>
+          <a:chExt cx="0" cy="0"/>
+        </a:xfrm>
+      </p:grpSpPr>
+      <p:sp>
+        <p:nvSpPr>
+          <p:cNvPr id="6" name="Text Box 3"/>
+          <p:cNvSpPr txBox="1">
+            <a:spLocks noChangeArrowheads="1"/>
+          </p:cNvSpPr>
+          <p:nvPr/>
+        </p:nvSpPr>
+        <p:spPr bwMode="auto">
+          <a:xfrm>
+            <a:off x="11165005" y="6510129"/>
+            <a:ext cx="715260" cy="305468"/>
+          </a:xfrm>
+          <a:prstGeom prst="rect">
+            <a:avLst/>
+          </a:prstGeom>
+          <a:noFill/>
+          <a:ln>
+            <a:noFill/>
+          </a:ln>
+          <a:extLst>
+            <a:ext uri="{909E8E84-426E-40DD-AFC4-6F175D3DCCD1}">
+              <a14:hiddenFill xmlns:a14="http://schemas.microsoft.com/office/drawing/2010/main">
+                <a:solidFill>
+                  <a:srgbClr val="FFFFFF"/>
+                </a:solidFill>
+              </a14:hiddenFill>
+            </a:ext>
+            <a:ext uri="{91240B29-F687-4F45-9708-019B960494DF}">
+              <a14:hiddenLine xmlns:a14="http://schemas.microsoft.com/office/drawing/2010/main" w="9525">
+                <a:solidFill>
+                  <a:srgbClr val="000000"/>
+                </a:solidFill>
+                <a:miter lim="800000"/>
+                <a:headEnd/>
+                <a:tailEnd/>
+              </a14:hiddenLine>
+            </a:ext>
+          </a:extLst>
+        </p:spPr>
+        <p:txBody>
+          <a:bodyPr wrap="none">
+            <a:spAutoFit/>
+          </a:bodyPr>
+          <a:lstStyle>
+            <a:lvl1pPr marL="230188" indent="-230188" eaLnBrk="0" hangingPunct="0">
+              <a:defRPr kumimoji="1" sz="1200" b="1">
+                <a:solidFill>
+                  <a:schemeClr val="tx1"/>
+                </a:solidFill>
+                <a:latin typeface="Arial" charset="0"/>
+                <a:ea typeface="Dotum" pitchFamily="50" charset="-127"/>
+                <a:sym typeface="Wingdings" pitchFamily="2" charset="2"/>
+              </a:defRPr>
+            </a:lvl1pPr>
+            <a:lvl2pPr marL="742950" indent="-285750" eaLnBrk="0" hangingPunct="0">
+              <a:defRPr kumimoji="1" sz="1200" b="1">
+                <a:solidFill>
+                  <a:schemeClr val="tx1"/>
+                </a:solidFill>
+                <a:latin typeface="Arial" charset="0"/>
+                <a:ea typeface="Dotum" pitchFamily="50" charset="-127"/>
+                <a:sym typeface="Wingdings" pitchFamily="2" charset="2"/>
+              </a:defRPr>
+            </a:lvl2pPr>
+            <a:lvl3pPr marL="1143000" indent="-228600" eaLnBrk="0" hangingPunct="0">
+              <a:defRPr kumimoji="1" sz="1200" b="1">
+                <a:solidFill>
+                  <a:schemeClr val="tx1"/>
+                </a:solidFill>
+                <a:latin typeface="Arial" charset="0"/>
+                <a:ea typeface="Dotum" pitchFamily="50" charset="-127"/>
+                <a:sym typeface="Wingdings" pitchFamily="2" charset="2"/>
+              </a:defRPr>
+            </a:lvl3pPr>
+            <a:lvl4pPr marL="1600200" indent="-228600" eaLnBrk="0" hangingPunct="0">
+              <a:defRPr kumimoji="1" sz="1200" b="1">
+                <a:solidFill>
+                  <a:schemeClr val="tx1"/>
+                </a:solidFill>
+                <a:latin typeface="Arial" charset="0"/>
+                <a:ea typeface="Dotum" pitchFamily="50" charset="-127"/>
+                <a:sym typeface="Wingdings" pitchFamily="2" charset="2"/>
+              </a:defRPr>
+            </a:lvl4pPr>
+            <a:lvl5pPr marL="2057400" indent="-228600" eaLnBrk="0" hangingPunct="0">
+              <a:defRPr kumimoji="1" sz="1200" b="1">
+                <a:solidFill>
+                  <a:schemeClr val="tx1"/>
+                </a:solidFill>
+                <a:latin typeface="Arial" charset="0"/>
+                <a:ea typeface="Dotum" pitchFamily="50" charset="-127"/>
+                <a:sym typeface="Wingdings" pitchFamily="2" charset="2"/>
+              </a:defRPr>
+            </a:lvl5pPr>
+            <a:lvl6pPr marL="2514600" indent="-228600" algn="ctr" eaLnBrk="0" fontAlgn="base" hangingPunct="0">
+              <a:spcBef>
+                <a:spcPct val="0"/>
+              </a:spcBef>
+              <a:spcAft>
+                <a:spcPct val="0"/>
+              </a:spcAft>
+              <a:buClr>
+                <a:schemeClr val="tx1"/>
+              </a:buClr>
+              <a:buFont typeface="Wingdings" pitchFamily="2" charset="2"/>
+              <a:buChar char="§"/>
+              <a:defRPr kumimoji="1" sz="1200" b="1">
+                <a:solidFill>
+                  <a:schemeClr val="tx1"/>
+                </a:solidFill>
+                <a:latin typeface="Arial" charset="0"/>
+                <a:ea typeface="Dotum" pitchFamily="50" charset="-127"/>
+                <a:sym typeface="Wingdings" pitchFamily="2" charset="2"/>
+              </a:defRPr>
+            </a:lvl6pPr>
+            <a:lvl7pPr marL="2971800" indent="-228600" algn="ctr" eaLnBrk="0" fontAlgn="base" hangingPunct="0">
+              <a:spcBef>
+                <a:spcPct val="0"/>
+              </a:spcBef>
+              <a:spcAft>
+                <a:spcPct val="0"/>
+              </a:spcAft>
+              <a:buClr>
+                <a:schemeClr val="tx1"/>
+              </a:buClr>
+              <a:buFont typeface="Wingdings" pitchFamily="2" charset="2"/>
+              <a:buChar char="§"/>
+              <a:defRPr kumimoji="1" sz="1200" b="1">
+                <a:solidFill>
+                  <a:schemeClr val="tx1"/>
+                </a:solidFill>
+                <a:latin typeface="Arial" charset="0"/>
+                <a:ea typeface="Dotum" pitchFamily="50" charset="-127"/>
+                <a:sym typeface="Wingdings" pitchFamily="2" charset="2"/>
+              </a:defRPr>
+            </a:lvl7pPr>
+            <a:lvl8pPr marL="3429000" indent="-228600" algn="ctr" eaLnBrk="0" fontAlgn="base" hangingPunct="0">
+              <a:spcBef>
+                <a:spcPct val="0"/>
+              </a:spcBef>
+              <a:spcAft>
+                <a:spcPct val="0"/>
+              </a:spcAft>
+              <a:buClr>
+                <a:schemeClr val="tx1"/>
+              </a:buClr>
+              <a:buFont typeface="Wingdings" pitchFamily="2" charset="2"/>
+              <a:buChar char="§"/>
+              <a:defRPr kumimoji="1" sz="1200" b="1">
+                <a:solidFill>
+                  <a:schemeClr val="tx1"/>
+                </a:solidFill>
+                <a:latin typeface="Arial" charset="0"/>
+                <a:ea typeface="Dotum" pitchFamily="50" charset="-127"/>
+                <a:sym typeface="Wingdings" pitchFamily="2" charset="2"/>
+              </a:defRPr>
+            </a:lvl8pPr>
+            <a:lvl9pPr marL="3886200" indent="-228600" algn="ctr" eaLnBrk="0" fontAlgn="base" hangingPunct="0">
+              <a:spcBef>
+                <a:spcPct val="0"/>
+              </a:spcBef>
+              <a:spcAft>
+                <a:spcPct val="0"/>
+              </a:spcAft>
+              <a:buClr>
+                <a:schemeClr val="tx1"/>
+              </a:buClr>
+              <a:buFont typeface="Wingdings" pitchFamily="2" charset="2"/>
+              <a:buChar char="§"/>
+              <a:defRPr kumimoji="1" sz="1200" b="1">
+                <a:solidFill>
+                  <a:schemeClr val="tx1"/>
+                </a:solidFill>
+                <a:latin typeface="Arial" charset="0"/>
+                <a:ea typeface="Dotum" pitchFamily="50" charset="-127"/>
+                <a:sym typeface="Wingdings" pitchFamily="2" charset="2"/>
+              </a:defRPr>
+            </a:lvl9pPr>
+          </a:lstStyle>
+          <a:p>
+            <a:pPr algn="ctr" defTabSz="844083" eaLnBrk="1" hangingPunct="1"/>
+            <a:r>
+              <a:rPr lang="en-US" altLang="ko-KR" sz="1385" dirty="0" smtClean="0">
+                <a:solidFill>
+                  <a:srgbClr val="000000"/>
+                </a:solidFill>
+                <a:latin typeface="Arial Narrow" panose="020B0606020202030204" pitchFamily="34" charset="0"/>
+                <a:ea typeface="LG스마트체 Regular" panose="020B0600000101010101" pitchFamily="50" charset="-127"/>
+                <a:cs typeface="Arial" panose="020B0604020202020204" pitchFamily="34" charset="0"/>
+              </a:rPr>
+              <a:t>2024.10</a:t>
+            </a:r>
+            <a:endParaRPr lang="ko-KR" altLang="en-US" sz="1385" dirty="0">
+              <a:solidFill>
+                <a:srgbClr val="000000"/>
+              </a:solidFill>
+              <a:latin typeface="Arial Narrow" panose="020B0606020202030204" pitchFamily="34" charset="0"/>
+              <a:ea typeface="LG스마트체 Regular" panose="020B0600000101010101" pitchFamily="50" charset="-127"/>
+              <a:cs typeface="Arial" panose="020B0604020202020204" pitchFamily="34" charset="0"/>
+            </a:endParaRPr>
+          </a:p>
+        </p:txBody>
+      </p:sp>
+      <p:sp>
+        <p:nvSpPr>
+          <p:cNvPr id="7" name="Text Box 4"/>
+          <p:cNvSpPr txBox="1">
+            <a:spLocks noChangeArrowheads="1"/>
+          </p:cNvSpPr>
+          <p:nvPr/>
+        </p:nvSpPr>
+        <p:spPr bwMode="auto">
+          <a:xfrm>
+            <a:off x="10800322" y="6190490"/>
+            <a:ext cx="1444627" cy="319639"/>
+          </a:xfrm>
+          <a:prstGeom prst="rect">
+            <a:avLst/>
+          </a:prstGeom>
+          <a:noFill/>
+          <a:ln>
+            <a:noFill/>
+          </a:ln>
+          <a:extLst>
+            <a:ext uri="{909E8E84-426E-40DD-AFC4-6F175D3DCCD1}">
+              <a14:hiddenFill xmlns:a14="http://schemas.microsoft.com/office/drawing/2010/main">
+                <a:solidFill>
+                  <a:srgbClr val="FFFFFF"/>
+                </a:solidFill>
+              </a14:hiddenFill>
+            </a:ext>
+            <a:ext uri="{91240B29-F687-4F45-9708-019B960494DF}">
+              <a14:hiddenLine xmlns:a14="http://schemas.microsoft.com/office/drawing/2010/main" w="9525">
+                <a:solidFill>
+                  <a:srgbClr val="000000"/>
+                </a:solidFill>
+                <a:miter lim="800000"/>
+                <a:headEnd/>
+                <a:tailEnd/>
+              </a14:hiddenLine>
+            </a:ext>
+          </a:extLst>
+        </p:spPr>
+        <p:txBody>
+          <a:bodyPr wrap="none">
+            <a:spAutoFit/>
+          </a:bodyPr>
+          <a:lstStyle>
+            <a:lvl1pPr marL="230188" indent="-230188" eaLnBrk="0" hangingPunct="0">
+              <a:defRPr kumimoji="1" sz="1200" b="1">
+                <a:solidFill>
+                  <a:schemeClr val="tx1"/>
+                </a:solidFill>
+                <a:latin typeface="Arial" charset="0"/>
+                <a:ea typeface="Dotum" pitchFamily="50" charset="-127"/>
+                <a:sym typeface="Wingdings" pitchFamily="2" charset="2"/>
+              </a:defRPr>
+            </a:lvl1pPr>
+            <a:lvl2pPr marL="742950" indent="-285750" eaLnBrk="0" hangingPunct="0">
+              <a:defRPr kumimoji="1" sz="1200" b="1">
+                <a:solidFill>
+                  <a:schemeClr val="tx1"/>
+                </a:solidFill>
+                <a:latin typeface="Arial" charset="0"/>
+                <a:ea typeface="Dotum" pitchFamily="50" charset="-127"/>
+                <a:sym typeface="Wingdings" pitchFamily="2" charset="2"/>
+              </a:defRPr>
+            </a:lvl2pPr>
+            <a:lvl3pPr marL="1143000" indent="-228600" eaLnBrk="0" hangingPunct="0">
+              <a:defRPr kumimoji="1" sz="1200" b="1">
+                <a:solidFill>
+                  <a:schemeClr val="tx1"/>
+                </a:solidFill>
+                <a:latin typeface="Arial" charset="0"/>
+                <a:ea typeface="Dotum" pitchFamily="50" charset="-127"/>
+                <a:sym typeface="Wingdings" pitchFamily="2" charset="2"/>
+              </a:defRPr>
+            </a:lvl3pPr>
+            <a:lvl4pPr marL="1600200" indent="-228600" eaLnBrk="0" hangingPunct="0">
+              <a:defRPr kumimoji="1" sz="1200" b="1">
+                <a:solidFill>
+                  <a:schemeClr val="tx1"/>
+                </a:solidFill>
+                <a:latin typeface="Arial" charset="0"/>
+                <a:ea typeface="Dotum" pitchFamily="50" charset="-127"/>
+                <a:sym typeface="Wingdings" pitchFamily="2" charset="2"/>
+              </a:defRPr>
+            </a:lvl4pPr>
+            <a:lvl5pPr marL="2057400" indent="-228600" eaLnBrk="0" hangingPunct="0">
+              <a:defRPr kumimoji="1" sz="1200" b="1">
+                <a:solidFill>
+                  <a:schemeClr val="tx1"/>
+                </a:solidFill>
+                <a:latin typeface="Arial" charset="0"/>
+                <a:ea typeface="Dotum" pitchFamily="50" charset="-127"/>
+                <a:sym typeface="Wingdings" pitchFamily="2" charset="2"/>
+              </a:defRPr>
+            </a:lvl5pPr>
+            <a:lvl6pPr marL="2514600" indent="-228600" algn="ctr" eaLnBrk="0" fontAlgn="base" hangingPunct="0">
+              <a:spcBef>
+                <a:spcPct val="0"/>
+              </a:spcBef>
+              <a:spcAft>
+                <a:spcPct val="0"/>
+              </a:spcAft>
+              <a:buClr>
+                <a:schemeClr val="tx1"/>
+              </a:buClr>
+              <a:buFont typeface="Wingdings" pitchFamily="2" charset="2"/>
+              <a:buChar char="§"/>
+              <a:defRPr kumimoji="1" sz="1200" b="1">
+                <a:solidFill>
+                  <a:schemeClr val="tx1"/>
+                </a:solidFill>
+                <a:latin typeface="Arial" charset="0"/>
+                <a:ea typeface="Dotum" pitchFamily="50" charset="-127"/>
+                <a:sym typeface="Wingdings" pitchFamily="2" charset="2"/>
+              </a:defRPr>
+            </a:lvl6pPr>
+            <a:lvl7pPr marL="2971800" indent="-228600" algn="ctr" eaLnBrk="0" fontAlgn="base" hangingPunct="0">
+              <a:spcBef>
+                <a:spcPct val="0"/>
+              </a:spcBef>
+              <a:spcAft>
+                <a:spcPct val="0"/>
+              </a:spcAft>
+              <a:buClr>
+                <a:schemeClr val="tx1"/>
+              </a:buClr>
+              <a:buFont typeface="Wingdings" pitchFamily="2" charset="2"/>
+              <a:buChar char="§"/>
+              <a:defRPr kumimoji="1" sz="1200" b="1">
+                <a:solidFill>
+                  <a:schemeClr val="tx1"/>
+                </a:solidFill>
+                <a:latin typeface="Arial" charset="0"/>
+                <a:ea typeface="Dotum" pitchFamily="50" charset="-127"/>
+                <a:sym typeface="Wingdings" pitchFamily="2" charset="2"/>
+              </a:defRPr>
+            </a:lvl7pPr>
+            <a:lvl8pPr marL="3429000" indent="-228600" algn="ctr" eaLnBrk="0" fontAlgn="base" hangingPunct="0">
+              <a:spcBef>
+                <a:spcPct val="0"/>
+              </a:spcBef>
+              <a:spcAft>
+                <a:spcPct val="0"/>
+              </a:spcAft>
+              <a:buClr>
+                <a:schemeClr val="tx1"/>
+              </a:buClr>
+              <a:buFont typeface="Wingdings" pitchFamily="2" charset="2"/>
+              <a:buChar char="§"/>
+              <a:defRPr kumimoji="1" sz="1200" b="1">
+                <a:solidFill>
+                  <a:schemeClr val="tx1"/>
+                </a:solidFill>
+                <a:latin typeface="Arial" charset="0"/>
+                <a:ea typeface="Dotum" pitchFamily="50" charset="-127"/>
+                <a:sym typeface="Wingdings" pitchFamily="2" charset="2"/>
+              </a:defRPr>
+            </a:lvl8pPr>
+            <a:lvl9pPr marL="3886200" indent="-228600" algn="ctr" eaLnBrk="0" fontAlgn="base" hangingPunct="0">
+              <a:spcBef>
+                <a:spcPct val="0"/>
+              </a:spcBef>
+              <a:spcAft>
+                <a:spcPct val="0"/>
+              </a:spcAft>
+              <a:buClr>
+                <a:schemeClr val="tx1"/>
+              </a:buClr>
+              <a:buFont typeface="Wingdings" pitchFamily="2" charset="2"/>
+              <a:buChar char="§"/>
+              <a:defRPr kumimoji="1" sz="1200" b="1">
+                <a:solidFill>
+                  <a:schemeClr val="tx1"/>
+                </a:solidFill>
+                <a:latin typeface="Arial" charset="0"/>
+                <a:ea typeface="Dotum" pitchFamily="50" charset="-127"/>
+                <a:sym typeface="Wingdings" pitchFamily="2" charset="2"/>
+              </a:defRPr>
+            </a:lvl9pPr>
+          </a:lstStyle>
+          <a:p>
+            <a:pPr algn="ctr" defTabSz="844083" eaLnBrk="1" hangingPunct="1"/>
+            <a:r>
+              <a:rPr lang="en-US" altLang="ko-KR" sz="1477" dirty="0" smtClean="0">
+                <a:solidFill>
+                  <a:srgbClr val="000000"/>
+                </a:solidFill>
+                <a:latin typeface="Arial Narrow" panose="020B0606020202030204" pitchFamily="34" charset="0"/>
+                <a:ea typeface="LG스마트체 Regular" panose="020B0600000101010101" pitchFamily="50" charset="-127"/>
+                <a:cs typeface="Arial" panose="020B0604020202020204" pitchFamily="34" charset="0"/>
+              </a:rPr>
+              <a:t>LGEDV </a:t>
+            </a:r>
+            <a:r>
+              <a:rPr lang="en-US" altLang="ko-KR" sz="1477" dirty="0">
+                <a:solidFill>
+                  <a:srgbClr val="000000"/>
+                </a:solidFill>
+                <a:latin typeface="Arial Narrow" panose="020B0606020202030204" pitchFamily="34" charset="0"/>
+                <a:ea typeface="LG스마트체 Regular" panose="020B0600000101010101" pitchFamily="50" charset="-127"/>
+                <a:cs typeface="Arial" panose="020B0604020202020204" pitchFamily="34" charset="0"/>
+              </a:rPr>
+              <a:t>DANANG</a:t>
+            </a:r>
+            <a:endParaRPr lang="ko-KR" altLang="en-US" sz="1477" dirty="0">
+              <a:solidFill>
+                <a:srgbClr val="000000"/>
+              </a:solidFill>
+              <a:latin typeface="Arial Narrow" panose="020B0606020202030204" pitchFamily="34" charset="0"/>
+              <a:ea typeface="LG스마트체 Regular" panose="020B0600000101010101" pitchFamily="50" charset="-127"/>
+              <a:cs typeface="Arial" panose="020B0604020202020204" pitchFamily="34" charset="0"/>
+            </a:endParaRPr>
+          </a:p>
+        </p:txBody>
+      </p:sp>
+      <p:sp>
+        <p:nvSpPr>
+          <p:cNvPr id="9" name="Rectangle 8"/>
+          <p:cNvSpPr/>
+          <p:nvPr/>
+        </p:nvSpPr>
+        <p:spPr>
+          <a:xfrm>
+            <a:off x="0" y="810979"/>
+            <a:ext cx="12192000" cy="118111"/>
+          </a:xfrm>
+          <a:prstGeom prst="rect">
+            <a:avLst/>
+          </a:prstGeom>
+        </p:spPr>
+        <p:style>
+          <a:lnRef idx="2">
+            <a:schemeClr val="dk1">
+              <a:shade val="50000"/>
+            </a:schemeClr>
+          </a:lnRef>
+          <a:fillRef idx="1">
+            <a:schemeClr val="dk1"/>
+          </a:fillRef>
+          <a:effectRef idx="0">
+            <a:schemeClr val="dk1"/>
+          </a:effectRef>
+          <a:fontRef idx="minor">
+            <a:schemeClr val="lt1"/>
+          </a:fontRef>
+        </p:style>
+        <p:txBody>
+          <a:bodyPr rtlCol="0" anchor="ctr"/>
+          <a:lstStyle/>
+          <a:p>
+            <a:pPr algn="ctr"/>
+            <a:endParaRPr lang="en-US">
+              <a:solidFill>
+                <a:schemeClr val="tx1"/>
+              </a:solidFill>
+            </a:endParaRPr>
+          </a:p>
+        </p:txBody>
+      </p:sp>
+      <p:sp>
+        <p:nvSpPr>
+          <p:cNvPr id="11" name="TextBox 10"/>
+          <p:cNvSpPr txBox="1"/>
+          <p:nvPr/>
+        </p:nvSpPr>
+        <p:spPr>
+          <a:xfrm>
+            <a:off x="247650" y="164648"/>
+            <a:ext cx="2580835" cy="646331"/>
+          </a:xfrm>
+          <a:prstGeom prst="rect">
+            <a:avLst/>
+          </a:prstGeom>
+          <a:noFill/>
+        </p:spPr>
+        <p:txBody>
+          <a:bodyPr wrap="none" rtlCol="0">
+            <a:spAutoFit/>
+          </a:bodyPr>
+          <a:lstStyle/>
+          <a:p>
+            <a:r>
+              <a:rPr lang="en-US" sz="3600" b="1" dirty="0" smtClean="0"/>
+              <a:t>Introduction</a:t>
+            </a:r>
+            <a:endParaRPr lang="en-US" sz="3600" b="1" dirty="0"/>
+          </a:p>
+        </p:txBody>
+      </p:sp>
+      <p:pic>
+        <p:nvPicPr>
+          <p:cNvPr id="12" name="Picture 11"/>
+          <p:cNvPicPr>
+            <a:picLocks noChangeAspect="1"/>
+          </p:cNvPicPr>
+          <p:nvPr/>
+        </p:nvPicPr>
+        <p:blipFill>
+          <a:blip r:embed="rId2" cstate="print">
+            <a:extLst>
+              <a:ext uri="{28A0092B-C50C-407E-A947-70E740481C1C}">
+                <a14:useLocalDpi xmlns:a14="http://schemas.microsoft.com/office/drawing/2010/main" val="0"/>
+              </a:ext>
+            </a:extLst>
+          </a:blip>
+          <a:stretch>
+            <a:fillRect/>
+          </a:stretch>
+        </p:blipFill>
+        <p:spPr>
+          <a:xfrm>
+            <a:off x="10440105" y="136719"/>
+            <a:ext cx="1440160" cy="630070"/>
+          </a:xfrm>
+          <a:prstGeom prst="rect">
+            <a:avLst/>
+          </a:prstGeom>
+        </p:spPr>
+      </p:pic>
+      <p:sp>
+        <p:nvSpPr>
+          <p:cNvPr id="4" name="AutoShape 2" descr="image-2024-6-11_10-2-1.png"/>
+          <p:cNvSpPr>
+            <a:spLocks noChangeAspect="1" noChangeArrowheads="1"/>
+          </p:cNvSpPr>
+          <p:nvPr/>
+        </p:nvSpPr>
+        <p:spPr bwMode="auto">
+          <a:xfrm>
+            <a:off x="155575" y="-144463"/>
+            <a:ext cx="304800" cy="304801"/>
+          </a:xfrm>
+          <a:prstGeom prst="rect">
+            <a:avLst/>
+          </a:prstGeom>
+          <a:noFill/>
+          <a:extLst>
+            <a:ext uri="{909E8E84-426E-40DD-AFC4-6F175D3DCCD1}">
+              <a14:hiddenFill xmlns:a14="http://schemas.microsoft.com/office/drawing/2010/main">
+                <a:solidFill>
+                  <a:srgbClr val="FFFFFF"/>
+                </a:solidFill>
+              </a14:hiddenFill>
+            </a:ext>
+          </a:extLst>
+        </p:spPr>
+        <p:txBody>
+          <a:bodyPr vert="horz" wrap="square" lIns="91440" tIns="45720" rIns="91440" bIns="45720" numCol="1" anchor="t" anchorCtr="0" compatLnSpc="1">
+            <a:prstTxWarp prst="textNoShape">
+              <a:avLst/>
+            </a:prstTxWarp>
+          </a:bodyPr>
+          <a:lstStyle/>
+          <a:p>
+            <a:endParaRPr lang="en-US"/>
+          </a:p>
+        </p:txBody>
+      </p:sp>
+      <p:pic>
+        <p:nvPicPr>
+          <p:cNvPr id="5" name="Picture 4"/>
+          <p:cNvPicPr>
+            <a:picLocks noChangeAspect="1"/>
+          </p:cNvPicPr>
+          <p:nvPr/>
+        </p:nvPicPr>
+        <p:blipFill>
+          <a:blip r:embed="rId3"/>
+          <a:stretch>
+            <a:fillRect/>
+          </a:stretch>
+        </p:blipFill>
+        <p:spPr>
+          <a:xfrm>
+            <a:off x="1683745" y="973280"/>
+            <a:ext cx="8824509" cy="5824322"/>
+          </a:xfrm>
+          <a:prstGeom prst="rect">
+            <a:avLst/>
+          </a:prstGeom>
+        </p:spPr>
+      </p:pic>
+    </p:spTree>
+    <p:extLst>
+      <p:ext uri="{BB962C8B-B14F-4D97-AF65-F5344CB8AC3E}">
+        <p14:creationId xmlns:p14="http://schemas.microsoft.com/office/powerpoint/2010/main" val="981729051"/>
       </p:ext>
     </p:extLst>
   </p:cSld>
@@ -4867,7 +6464,7 @@
 </p:sld>
 </file>
 
-<file path=ppt/slides/slide3.xml><?xml version="1.0" encoding="utf-8"?>
+<file path=ppt/slides/slide4.xml><?xml version="1.0" encoding="utf-8"?>
 <p:sld xmlns:a="http://schemas.openxmlformats.org/drawingml/2006/main" xmlns:r="http://schemas.openxmlformats.org/officeDocument/2006/relationships" xmlns:p="http://schemas.openxmlformats.org/presentationml/2006/main">
   <p:cSld>
     <p:spTree>
@@ -5451,7 +7048,7 @@
 </p:sld>
 </file>
 
-<file path=ppt/slides/slide4.xml><?xml version="1.0" encoding="utf-8"?>
+<file path=ppt/slides/slide5.xml><?xml version="1.0" encoding="utf-8"?>
 <p:sld xmlns:a="http://schemas.openxmlformats.org/drawingml/2006/main" xmlns:r="http://schemas.openxmlformats.org/officeDocument/2006/relationships" xmlns:p="http://schemas.openxmlformats.org/presentationml/2006/main">
   <p:cSld>
     <p:spTree>
@@ -6011,7 +7608,7 @@
 </p:sld>
 </file>
 
-<file path=ppt/slides/slide5.xml><?xml version="1.0" encoding="utf-8"?>
+<file path=ppt/slides/slide6.xml><?xml version="1.0" encoding="utf-8"?>
 <p:sld xmlns:a="http://schemas.openxmlformats.org/drawingml/2006/main" xmlns:r="http://schemas.openxmlformats.org/officeDocument/2006/relationships" xmlns:p="http://schemas.openxmlformats.org/presentationml/2006/main">
   <p:cSld>
     <p:spTree>

--- a/present/LSM-WebOS.pptx
+++ b/present/LSM-WebOS.pptx
@@ -9,8 +9,7 @@
     <p:sldId id="260" r:id="rId3"/>
     <p:sldId id="264" r:id="rId4"/>
     <p:sldId id="263" r:id="rId5"/>
-    <p:sldId id="261" r:id="rId6"/>
-    <p:sldId id="262" r:id="rId7"/>
+    <p:sldId id="262" r:id="rId6"/>
   </p:sldIdLst>
   <p:sldSz cx="12192000" cy="6858000"/>
   <p:notesSz cx="6858000" cy="9144000"/>
@@ -248,7 +247,7 @@
           <a:p>
             <a:fld id="{97091162-3F0A-45CA-9196-DB275E8F9E6C}" type="datetimeFigureOut">
               <a:rPr lang="en-US" smtClean="0"/>
-              <a:t>9/25/2024</a:t>
+              <a:t>10/7/2024</a:t>
             </a:fld>
             <a:endParaRPr lang="en-US"/>
           </a:p>
@@ -418,7 +417,7 @@
           <a:p>
             <a:fld id="{97091162-3F0A-45CA-9196-DB275E8F9E6C}" type="datetimeFigureOut">
               <a:rPr lang="en-US" smtClean="0"/>
-              <a:t>9/25/2024</a:t>
+              <a:t>10/7/2024</a:t>
             </a:fld>
             <a:endParaRPr lang="en-US"/>
           </a:p>
@@ -598,7 +597,7 @@
           <a:p>
             <a:fld id="{97091162-3F0A-45CA-9196-DB275E8F9E6C}" type="datetimeFigureOut">
               <a:rPr lang="en-US" smtClean="0"/>
-              <a:t>9/25/2024</a:t>
+              <a:t>10/7/2024</a:t>
             </a:fld>
             <a:endParaRPr lang="en-US"/>
           </a:p>
@@ -768,7 +767,7 @@
           <a:p>
             <a:fld id="{97091162-3F0A-45CA-9196-DB275E8F9E6C}" type="datetimeFigureOut">
               <a:rPr lang="en-US" smtClean="0"/>
-              <a:t>9/25/2024</a:t>
+              <a:t>10/7/2024</a:t>
             </a:fld>
             <a:endParaRPr lang="en-US"/>
           </a:p>
@@ -1014,7 +1013,7 @@
           <a:p>
             <a:fld id="{97091162-3F0A-45CA-9196-DB275E8F9E6C}" type="datetimeFigureOut">
               <a:rPr lang="en-US" smtClean="0"/>
-              <a:t>9/25/2024</a:t>
+              <a:t>10/7/2024</a:t>
             </a:fld>
             <a:endParaRPr lang="en-US"/>
           </a:p>
@@ -1246,7 +1245,7 @@
           <a:p>
             <a:fld id="{97091162-3F0A-45CA-9196-DB275E8F9E6C}" type="datetimeFigureOut">
               <a:rPr lang="en-US" smtClean="0"/>
-              <a:t>9/25/2024</a:t>
+              <a:t>10/7/2024</a:t>
             </a:fld>
             <a:endParaRPr lang="en-US"/>
           </a:p>
@@ -1613,7 +1612,7 @@
           <a:p>
             <a:fld id="{97091162-3F0A-45CA-9196-DB275E8F9E6C}" type="datetimeFigureOut">
               <a:rPr lang="en-US" smtClean="0"/>
-              <a:t>9/25/2024</a:t>
+              <a:t>10/7/2024</a:t>
             </a:fld>
             <a:endParaRPr lang="en-US"/>
           </a:p>
@@ -1731,7 +1730,7 @@
           <a:p>
             <a:fld id="{97091162-3F0A-45CA-9196-DB275E8F9E6C}" type="datetimeFigureOut">
               <a:rPr lang="en-US" smtClean="0"/>
-              <a:t>9/25/2024</a:t>
+              <a:t>10/7/2024</a:t>
             </a:fld>
             <a:endParaRPr lang="en-US"/>
           </a:p>
@@ -1826,7 +1825,7 @@
           <a:p>
             <a:fld id="{97091162-3F0A-45CA-9196-DB275E8F9E6C}" type="datetimeFigureOut">
               <a:rPr lang="en-US" smtClean="0"/>
-              <a:t>9/25/2024</a:t>
+              <a:t>10/7/2024</a:t>
             </a:fld>
             <a:endParaRPr lang="en-US"/>
           </a:p>
@@ -2103,7 +2102,7 @@
           <a:p>
             <a:fld id="{97091162-3F0A-45CA-9196-DB275E8F9E6C}" type="datetimeFigureOut">
               <a:rPr lang="en-US" smtClean="0"/>
-              <a:t>9/25/2024</a:t>
+              <a:t>10/7/2024</a:t>
             </a:fld>
             <a:endParaRPr lang="en-US"/>
           </a:p>
@@ -2356,7 +2355,7 @@
           <a:p>
             <a:fld id="{97091162-3F0A-45CA-9196-DB275E8F9E6C}" type="datetimeFigureOut">
               <a:rPr lang="en-US" smtClean="0"/>
-              <a:t>9/25/2024</a:t>
+              <a:t>10/7/2024</a:t>
             </a:fld>
             <a:endParaRPr lang="en-US"/>
           </a:p>
@@ -2569,7 +2568,7 @@
           <a:p>
             <a:fld id="{97091162-3F0A-45CA-9196-DB275E8F9E6C}" type="datetimeFigureOut">
               <a:rPr lang="en-US" smtClean="0"/>
-              <a:t>9/25/2024</a:t>
+              <a:t>10/7/2024</a:t>
             </a:fld>
             <a:endParaRPr lang="en-US"/>
           </a:p>
@@ -3247,7 +3246,7 @@
         </p:nvSpPr>
         <p:spPr bwMode="auto">
           <a:xfrm>
-            <a:off x="5738370" y="6014082"/>
+            <a:off x="5738370" y="6128875"/>
             <a:ext cx="715260" cy="305468"/>
           </a:xfrm>
           <a:prstGeom prst="rect">
@@ -3451,7 +3450,7 @@
         </p:nvSpPr>
         <p:spPr bwMode="auto">
           <a:xfrm>
-            <a:off x="5373687" y="5694444"/>
+            <a:off x="5373687" y="5809237"/>
             <a:ext cx="1444627" cy="319639"/>
           </a:xfrm>
           <a:prstGeom prst="rect">
@@ -3843,8 +3842,8 @@
         </p:nvSpPr>
         <p:spPr bwMode="auto">
           <a:xfrm>
-            <a:off x="4363993" y="3057545"/>
-            <a:ext cx="3464014" cy="2651986"/>
+            <a:off x="3422114" y="3057545"/>
+            <a:ext cx="5347772" cy="2751692"/>
           </a:xfrm>
           <a:prstGeom prst="rect">
             <a:avLst/>
@@ -4015,6 +4014,9 @@
           </a:lstStyle>
           <a:p>
             <a:pPr marL="400050" indent="-216000" defTabSz="844083" eaLnBrk="1" hangingPunct="1">
+              <a:lnSpc>
+                <a:spcPct val="150000"/>
+              </a:lnSpc>
               <a:buAutoNum type="romanUcPeriod"/>
             </a:pPr>
             <a:r>
@@ -4025,11 +4027,21 @@
                 <a:latin typeface="Arial Narrow" panose="020B0606020202030204" pitchFamily="34" charset="0"/>
                 <a:ea typeface="LG스마트체 Regular" panose="020B0600000101010101" pitchFamily="50" charset="-127"/>
               </a:rPr>
-              <a:t>Introduction</a:t>
-            </a:r>
+              <a:t>Overview</a:t>
+            </a:r>
+            <a:endParaRPr lang="en-US" altLang="ko-KR" sz="1292" dirty="0" smtClean="0">
+              <a:solidFill>
+                <a:prstClr val="black"/>
+              </a:solidFill>
+              <a:latin typeface="Arial Narrow" panose="020B0606020202030204" pitchFamily="34" charset="0"/>
+              <a:ea typeface="LG스마트체 Regular" panose="020B0600000101010101" pitchFamily="50" charset="-127"/>
+            </a:endParaRPr>
           </a:p>
           <a:p>
             <a:pPr marL="960437" lvl="1" indent="-216000" defTabSz="844083" eaLnBrk="1" hangingPunct="1">
+              <a:lnSpc>
+                <a:spcPct val="150000"/>
+              </a:lnSpc>
               <a:buAutoNum type="romanUcPeriod"/>
             </a:pPr>
             <a:r>
@@ -4040,11 +4052,14 @@
                 <a:latin typeface="Arial Narrow" panose="020B0606020202030204" pitchFamily="34" charset="0"/>
                 <a:ea typeface="LG스마트체 Regular" panose="020B0600000101010101" pitchFamily="50" charset="-127"/>
               </a:rPr>
-              <a:t>LSM</a:t>
+              <a:t>Introduction to LSM</a:t>
             </a:r>
           </a:p>
           <a:p>
             <a:pPr marL="960437" lvl="1" indent="-216000" defTabSz="844083" eaLnBrk="1" hangingPunct="1">
+              <a:lnSpc>
+                <a:spcPct val="150000"/>
+              </a:lnSpc>
               <a:buAutoNum type="romanUcPeriod"/>
             </a:pPr>
             <a:r>
@@ -4055,11 +4070,21 @@
                 <a:latin typeface="Arial Narrow" panose="020B0606020202030204" pitchFamily="34" charset="0"/>
                 <a:ea typeface="LG스마트체 Regular" panose="020B0600000101010101" pitchFamily="50" charset="-127"/>
               </a:rPr>
-              <a:t>Functionalities</a:t>
-            </a:r>
+              <a:t>Wayland Protocol, Wayland EGL, Wayland Adaptation</a:t>
+            </a:r>
+            <a:endParaRPr lang="en-US" altLang="ko-KR" sz="1292" dirty="0" smtClean="0">
+              <a:solidFill>
+                <a:prstClr val="black"/>
+              </a:solidFill>
+              <a:latin typeface="Arial Narrow" panose="020B0606020202030204" pitchFamily="34" charset="0"/>
+              <a:ea typeface="LG스마트체 Regular" panose="020B0600000101010101" pitchFamily="50" charset="-127"/>
+            </a:endParaRPr>
           </a:p>
           <a:p>
             <a:pPr marL="960437" lvl="1" indent="-216000" defTabSz="844083" eaLnBrk="1" hangingPunct="1">
+              <a:lnSpc>
+                <a:spcPct val="150000"/>
+              </a:lnSpc>
               <a:buAutoNum type="romanUcPeriod"/>
             </a:pPr>
             <a:r>
@@ -4070,7 +4095,27 @@
                 <a:latin typeface="Arial Narrow" panose="020B0606020202030204" pitchFamily="34" charset="0"/>
                 <a:ea typeface="LG스마트체 Regular" panose="020B0600000101010101" pitchFamily="50" charset="-127"/>
               </a:rPr>
-              <a:t>Context Diagram</a:t>
+              <a:t>QPA – </a:t>
+            </a:r>
+            <a:r>
+              <a:rPr lang="en-US" altLang="ko-KR" sz="1292" dirty="0" err="1" smtClean="0">
+                <a:solidFill>
+                  <a:prstClr val="black"/>
+                </a:solidFill>
+                <a:latin typeface="Arial Narrow" panose="020B0606020202030204" pitchFamily="34" charset="0"/>
+                <a:ea typeface="LG스마트체 Regular" panose="020B0600000101010101" pitchFamily="50" charset="-127"/>
+              </a:rPr>
+              <a:t>Qt</a:t>
+            </a:r>
+            <a:r>
+              <a:rPr lang="en-US" altLang="ko-KR" sz="1292" dirty="0" smtClean="0">
+                <a:solidFill>
+                  <a:prstClr val="black"/>
+                </a:solidFill>
+                <a:latin typeface="Arial Narrow" panose="020B0606020202030204" pitchFamily="34" charset="0"/>
+                <a:ea typeface="LG스마트체 Regular" panose="020B0600000101010101" pitchFamily="50" charset="-127"/>
+              </a:rPr>
+              <a:t> Platform Abstraction</a:t>
             </a:r>
             <a:endParaRPr lang="en-US" altLang="ko-KR" sz="1292" dirty="0">
               <a:solidFill>
@@ -4082,6 +4127,9 @@
           </a:p>
           <a:p>
             <a:pPr marL="400050" indent="-216000" defTabSz="844083" eaLnBrk="1" hangingPunct="1">
+              <a:lnSpc>
+                <a:spcPct val="150000"/>
+              </a:lnSpc>
               <a:buAutoNum type="romanUcPeriod"/>
             </a:pPr>
             <a:r>
@@ -4092,11 +4140,21 @@
                 <a:latin typeface="Arial Narrow" panose="020B0606020202030204" pitchFamily="34" charset="0"/>
                 <a:ea typeface="LG스마트체 Regular" panose="020B0600000101010101" pitchFamily="50" charset="-127"/>
               </a:rPr>
-              <a:t>Wayland</a:t>
-            </a:r>
+              <a:t>Main Content</a:t>
+            </a:r>
+            <a:endParaRPr lang="en-US" altLang="ko-KR" sz="1292" dirty="0" smtClean="0">
+              <a:solidFill>
+                <a:prstClr val="black"/>
+              </a:solidFill>
+              <a:latin typeface="Arial Narrow" panose="020B0606020202030204" pitchFamily="34" charset="0"/>
+              <a:ea typeface="LG스마트체 Regular" panose="020B0600000101010101" pitchFamily="50" charset="-127"/>
+            </a:endParaRPr>
           </a:p>
           <a:p>
             <a:pPr marL="960437" lvl="1" indent="-216000" defTabSz="844083" eaLnBrk="1" hangingPunct="1">
+              <a:lnSpc>
+                <a:spcPct val="150000"/>
+              </a:lnSpc>
               <a:buAutoNum type="romanUcPeriod"/>
             </a:pPr>
             <a:r>
@@ -4107,71 +4165,21 @@
                 <a:latin typeface="Arial Narrow" panose="020B0606020202030204" pitchFamily="34" charset="0"/>
                 <a:ea typeface="LG스마트체 Regular" panose="020B0600000101010101" pitchFamily="50" charset="-127"/>
               </a:rPr>
-              <a:t>Protocol</a:t>
-            </a:r>
+              <a:t>Functionality in details of LSM, starfish LSM and component diagram</a:t>
+            </a:r>
+            <a:endParaRPr lang="en-US" altLang="ko-KR" sz="1292" dirty="0" smtClean="0">
+              <a:solidFill>
+                <a:prstClr val="black"/>
+              </a:solidFill>
+              <a:latin typeface="Arial Narrow" panose="020B0606020202030204" pitchFamily="34" charset="0"/>
+              <a:ea typeface="LG스마트체 Regular" panose="020B0600000101010101" pitchFamily="50" charset="-127"/>
+            </a:endParaRPr>
           </a:p>
           <a:p>
             <a:pPr marL="960437" lvl="1" indent="-216000" defTabSz="844083" eaLnBrk="1" hangingPunct="1">
-              <a:buAutoNum type="romanUcPeriod"/>
-            </a:pPr>
-            <a:r>
-              <a:rPr lang="en-US" altLang="ko-KR" sz="1292" dirty="0" smtClean="0">
-                <a:solidFill>
-                  <a:prstClr val="black"/>
-                </a:solidFill>
-                <a:latin typeface="Arial Narrow" panose="020B0606020202030204" pitchFamily="34" charset="0"/>
-                <a:ea typeface="LG스마트체 Regular" panose="020B0600000101010101" pitchFamily="50" charset="-127"/>
-              </a:rPr>
-              <a:t>EGL</a:t>
-            </a:r>
-          </a:p>
-          <a:p>
-            <a:pPr marL="960437" lvl="1" indent="-216000" defTabSz="844083" eaLnBrk="1" hangingPunct="1">
-              <a:buAutoNum type="romanUcPeriod"/>
-            </a:pPr>
-            <a:r>
-              <a:rPr lang="en-US" altLang="ko-KR" sz="1292" dirty="0" smtClean="0">
-                <a:solidFill>
-                  <a:prstClr val="black"/>
-                </a:solidFill>
-                <a:latin typeface="Arial Narrow" panose="020B0606020202030204" pitchFamily="34" charset="0"/>
-                <a:ea typeface="LG스마트체 Regular" panose="020B0600000101010101" pitchFamily="50" charset="-127"/>
-              </a:rPr>
-              <a:t>Adaptation</a:t>
-            </a:r>
-          </a:p>
-          <a:p>
-            <a:pPr marL="400050" indent="-216000" defTabSz="844083" eaLnBrk="1" hangingPunct="1">
-              <a:buAutoNum type="romanUcPeriod"/>
-            </a:pPr>
-            <a:r>
-              <a:rPr lang="en-US" altLang="ko-KR" sz="1292" dirty="0" smtClean="0">
-                <a:solidFill>
-                  <a:prstClr val="black"/>
-                </a:solidFill>
-                <a:latin typeface="Arial Narrow" panose="020B0606020202030204" pitchFamily="34" charset="0"/>
-                <a:ea typeface="LG스마트체 Regular" panose="020B0600000101010101" pitchFamily="50" charset="-127"/>
-              </a:rPr>
-              <a:t>LSM Compositor</a:t>
-            </a:r>
-          </a:p>
-          <a:p>
-            <a:pPr marL="960437" lvl="1" indent="-216000" defTabSz="844083" eaLnBrk="1" hangingPunct="1">
-              <a:buAutoNum type="romanUcPeriod"/>
-            </a:pPr>
-            <a:r>
-              <a:rPr lang="en-US" altLang="ko-KR" sz="1292" dirty="0" smtClean="0">
-                <a:solidFill>
-                  <a:prstClr val="black"/>
-                </a:solidFill>
-                <a:latin typeface="Arial Narrow" panose="020B0606020202030204" pitchFamily="34" charset="0"/>
-                <a:ea typeface="LG스마트체 Regular" panose="020B0600000101010101" pitchFamily="50" charset="-127"/>
-              </a:rPr>
-              <a:t>Details in functionalities (starfish)</a:t>
-            </a:r>
-          </a:p>
-          <a:p>
-            <a:pPr marL="960437" lvl="1" indent="-216000" defTabSz="844083" eaLnBrk="1" hangingPunct="1">
+              <a:lnSpc>
+                <a:spcPct val="150000"/>
+              </a:lnSpc>
               <a:buAutoNum type="romanUcPeriod"/>
             </a:pPr>
             <a:r>
@@ -4184,9 +4192,19 @@
               </a:rPr>
               <a:t>Internal sequence</a:t>
             </a:r>
+            <a:endParaRPr lang="en-US" altLang="ko-KR" sz="1292" dirty="0" smtClean="0">
+              <a:solidFill>
+                <a:prstClr val="black"/>
+              </a:solidFill>
+              <a:latin typeface="Arial Narrow" panose="020B0606020202030204" pitchFamily="34" charset="0"/>
+              <a:ea typeface="LG스마트체 Regular" panose="020B0600000101010101" pitchFamily="50" charset="-127"/>
+            </a:endParaRPr>
           </a:p>
           <a:p>
             <a:pPr marL="960437" lvl="1" indent="-216000" defTabSz="844083" eaLnBrk="1" hangingPunct="1">
+              <a:lnSpc>
+                <a:spcPct val="150000"/>
+              </a:lnSpc>
               <a:buAutoNum type="romanUcPeriod"/>
             </a:pPr>
             <a:r>
@@ -4197,14 +4215,9 @@
                 <a:latin typeface="Arial Narrow" panose="020B0606020202030204" pitchFamily="34" charset="0"/>
                 <a:ea typeface="LG스마트체 Regular" panose="020B0600000101010101" pitchFamily="50" charset="-127"/>
               </a:rPr>
-              <a:t>External API sequence</a:t>
-            </a:r>
-          </a:p>
-          <a:p>
-            <a:pPr marL="960437" lvl="1" indent="-216000" defTabSz="844083" eaLnBrk="1" hangingPunct="1">
-              <a:buAutoNum type="romanUcPeriod"/>
-            </a:pPr>
-            <a:endParaRPr lang="ko-KR" altLang="en-US" sz="1292" dirty="0">
+              <a:t>External API - sequence</a:t>
+            </a:r>
+            <a:endParaRPr lang="en-US" altLang="ko-KR" sz="1292" dirty="0" smtClean="0">
               <a:solidFill>
                 <a:prstClr val="black"/>
               </a:solidFill>
@@ -4797,7 +4810,7 @@
         <p:spPr>
           <a:xfrm>
             <a:off x="247650" y="164648"/>
-            <a:ext cx="2580835" cy="646331"/>
+            <a:ext cx="3606757" cy="646331"/>
           </a:xfrm>
           <a:prstGeom prst="rect">
             <a:avLst/>
@@ -4812,7 +4825,7 @@
           <a:p>
             <a:r>
               <a:rPr lang="en-US" sz="3600" b="1" dirty="0" smtClean="0"/>
-              <a:t>Introduction</a:t>
+              <a:t>Introduction: LSM</a:t>
             </a:r>
             <a:endParaRPr lang="en-US" sz="3600" b="1" dirty="0"/>
           </a:p>
@@ -5095,12 +5108,6 @@
               </a:rPr>
               <a:t>Developed using QML</a:t>
             </a:r>
-            <a:endParaRPr lang="en-US" dirty="0">
-              <a:solidFill>
-                <a:srgbClr val="172B4D"/>
-              </a:solidFill>
-              <a:latin typeface="-apple-system"/>
-            </a:endParaRPr>
           </a:p>
         </p:txBody>
       </p:sp>
@@ -6330,7 +6337,7 @@
         <p:spPr>
           <a:xfrm>
             <a:off x="247650" y="164648"/>
-            <a:ext cx="2580835" cy="646331"/>
+            <a:ext cx="6352958" cy="646331"/>
           </a:xfrm>
           <a:prstGeom prst="rect">
             <a:avLst/>
@@ -6345,7 +6352,7 @@
           <a:p>
             <a:r>
               <a:rPr lang="en-US" sz="3600" b="1" dirty="0" smtClean="0"/>
-              <a:t>Introduction</a:t>
+              <a:t>Introduction: LSM - Architecture</a:t>
             </a:r>
             <a:endParaRPr lang="en-US" sz="3600" b="1" dirty="0"/>
           </a:p>
@@ -6977,7 +6984,7 @@
         <p:spPr>
           <a:xfrm>
             <a:off x="247650" y="164648"/>
-            <a:ext cx="2580835" cy="646331"/>
+            <a:ext cx="7267952" cy="646331"/>
           </a:xfrm>
           <a:prstGeom prst="rect">
             <a:avLst/>
@@ -6992,7 +6999,7 @@
           <a:p>
             <a:r>
               <a:rPr lang="en-US" sz="3600" b="1" dirty="0" smtClean="0"/>
-              <a:t>Introduction</a:t>
+              <a:t>Introduction: LSM – Context Diagram</a:t>
             </a:r>
             <a:endParaRPr lang="en-US" sz="3600" b="1" dirty="0"/>
           </a:p>
@@ -7537,7 +7544,7 @@
         <p:spPr>
           <a:xfrm>
             <a:off x="247650" y="466691"/>
-            <a:ext cx="1862048" cy="646331"/>
+            <a:ext cx="3336491" cy="646331"/>
           </a:xfrm>
           <a:prstGeom prst="rect">
             <a:avLst/>
@@ -7552,7 +7559,7 @@
           <a:p>
             <a:r>
               <a:rPr lang="en-US" sz="3600" b="1" dirty="0" smtClean="0"/>
-              <a:t>Wayland</a:t>
+              <a:t>LSM Compositor</a:t>
             </a:r>
             <a:endParaRPr lang="en-US" sz="3600" b="1" dirty="0"/>
           </a:p>
@@ -7588,472 +7595,16 @@
           </a:prstGeom>
         </p:spPr>
       </p:pic>
-    </p:spTree>
-    <p:extLst>
-      <p:ext uri="{BB962C8B-B14F-4D97-AF65-F5344CB8AC3E}">
-        <p14:creationId xmlns:p14="http://schemas.microsoft.com/office/powerpoint/2010/main" val="3229727362"/>
-      </p:ext>
-    </p:extLst>
-  </p:cSld>
-  <p:clrMapOvr>
-    <a:masterClrMapping/>
-  </p:clrMapOvr>
-  <p:timing>
-    <p:tnLst>
-      <p:par>
-        <p:cTn id="1" dur="indefinite" restart="never" nodeType="tmRoot"/>
-      </p:par>
-    </p:tnLst>
-  </p:timing>
-</p:sld>
-</file>
-
-<file path=ppt/slides/slide6.xml><?xml version="1.0" encoding="utf-8"?>
-<p:sld xmlns:a="http://schemas.openxmlformats.org/drawingml/2006/main" xmlns:r="http://schemas.openxmlformats.org/officeDocument/2006/relationships" xmlns:p="http://schemas.openxmlformats.org/presentationml/2006/main">
-  <p:cSld>
-    <p:spTree>
-      <p:nvGrpSpPr>
-        <p:cNvPr id="1" name=""/>
-        <p:cNvGrpSpPr/>
-        <p:nvPr/>
-      </p:nvGrpSpPr>
-      <p:grpSpPr>
-        <a:xfrm>
-          <a:off x="0" y="0"/>
-          <a:ext cx="0" cy="0"/>
-          <a:chOff x="0" y="0"/>
-          <a:chExt cx="0" cy="0"/>
-        </a:xfrm>
-      </p:grpSpPr>
-      <p:sp>
-        <p:nvSpPr>
-          <p:cNvPr id="6" name="Text Box 3"/>
-          <p:cNvSpPr txBox="1">
-            <a:spLocks noChangeArrowheads="1"/>
-          </p:cNvSpPr>
-          <p:nvPr/>
-        </p:nvSpPr>
-        <p:spPr bwMode="auto">
-          <a:xfrm>
-            <a:off x="11165005" y="6510129"/>
-            <a:ext cx="715260" cy="305468"/>
-          </a:xfrm>
-          <a:prstGeom prst="rect">
-            <a:avLst/>
-          </a:prstGeom>
-          <a:noFill/>
-          <a:ln>
-            <a:noFill/>
-          </a:ln>
-          <a:extLst>
-            <a:ext uri="{909E8E84-426E-40DD-AFC4-6F175D3DCCD1}">
-              <a14:hiddenFill xmlns:a14="http://schemas.microsoft.com/office/drawing/2010/main">
-                <a:solidFill>
-                  <a:srgbClr val="FFFFFF"/>
-                </a:solidFill>
-              </a14:hiddenFill>
-            </a:ext>
-            <a:ext uri="{91240B29-F687-4F45-9708-019B960494DF}">
-              <a14:hiddenLine xmlns:a14="http://schemas.microsoft.com/office/drawing/2010/main" w="9525">
-                <a:solidFill>
-                  <a:srgbClr val="000000"/>
-                </a:solidFill>
-                <a:miter lim="800000"/>
-                <a:headEnd/>
-                <a:tailEnd/>
-              </a14:hiddenLine>
-            </a:ext>
-          </a:extLst>
-        </p:spPr>
-        <p:txBody>
-          <a:bodyPr wrap="none">
-            <a:spAutoFit/>
-          </a:bodyPr>
-          <a:lstStyle>
-            <a:lvl1pPr marL="230188" indent="-230188" eaLnBrk="0" hangingPunct="0">
-              <a:defRPr kumimoji="1" sz="1200" b="1">
-                <a:solidFill>
-                  <a:schemeClr val="tx1"/>
-                </a:solidFill>
-                <a:latin typeface="Arial" charset="0"/>
-                <a:ea typeface="Dotum" pitchFamily="50" charset="-127"/>
-                <a:sym typeface="Wingdings" pitchFamily="2" charset="2"/>
-              </a:defRPr>
-            </a:lvl1pPr>
-            <a:lvl2pPr marL="742950" indent="-285750" eaLnBrk="0" hangingPunct="0">
-              <a:defRPr kumimoji="1" sz="1200" b="1">
-                <a:solidFill>
-                  <a:schemeClr val="tx1"/>
-                </a:solidFill>
-                <a:latin typeface="Arial" charset="0"/>
-                <a:ea typeface="Dotum" pitchFamily="50" charset="-127"/>
-                <a:sym typeface="Wingdings" pitchFamily="2" charset="2"/>
-              </a:defRPr>
-            </a:lvl2pPr>
-            <a:lvl3pPr marL="1143000" indent="-228600" eaLnBrk="0" hangingPunct="0">
-              <a:defRPr kumimoji="1" sz="1200" b="1">
-                <a:solidFill>
-                  <a:schemeClr val="tx1"/>
-                </a:solidFill>
-                <a:latin typeface="Arial" charset="0"/>
-                <a:ea typeface="Dotum" pitchFamily="50" charset="-127"/>
-                <a:sym typeface="Wingdings" pitchFamily="2" charset="2"/>
-              </a:defRPr>
-            </a:lvl3pPr>
-            <a:lvl4pPr marL="1600200" indent="-228600" eaLnBrk="0" hangingPunct="0">
-              <a:defRPr kumimoji="1" sz="1200" b="1">
-                <a:solidFill>
-                  <a:schemeClr val="tx1"/>
-                </a:solidFill>
-                <a:latin typeface="Arial" charset="0"/>
-                <a:ea typeface="Dotum" pitchFamily="50" charset="-127"/>
-                <a:sym typeface="Wingdings" pitchFamily="2" charset="2"/>
-              </a:defRPr>
-            </a:lvl4pPr>
-            <a:lvl5pPr marL="2057400" indent="-228600" eaLnBrk="0" hangingPunct="0">
-              <a:defRPr kumimoji="1" sz="1200" b="1">
-                <a:solidFill>
-                  <a:schemeClr val="tx1"/>
-                </a:solidFill>
-                <a:latin typeface="Arial" charset="0"/>
-                <a:ea typeface="Dotum" pitchFamily="50" charset="-127"/>
-                <a:sym typeface="Wingdings" pitchFamily="2" charset="2"/>
-              </a:defRPr>
-            </a:lvl5pPr>
-            <a:lvl6pPr marL="2514600" indent="-228600" algn="ctr" eaLnBrk="0" fontAlgn="base" hangingPunct="0">
-              <a:spcBef>
-                <a:spcPct val="0"/>
-              </a:spcBef>
-              <a:spcAft>
-                <a:spcPct val="0"/>
-              </a:spcAft>
-              <a:buClr>
-                <a:schemeClr val="tx1"/>
-              </a:buClr>
-              <a:buFont typeface="Wingdings" pitchFamily="2" charset="2"/>
-              <a:buChar char="§"/>
-              <a:defRPr kumimoji="1" sz="1200" b="1">
-                <a:solidFill>
-                  <a:schemeClr val="tx1"/>
-                </a:solidFill>
-                <a:latin typeface="Arial" charset="0"/>
-                <a:ea typeface="Dotum" pitchFamily="50" charset="-127"/>
-                <a:sym typeface="Wingdings" pitchFamily="2" charset="2"/>
-              </a:defRPr>
-            </a:lvl6pPr>
-            <a:lvl7pPr marL="2971800" indent="-228600" algn="ctr" eaLnBrk="0" fontAlgn="base" hangingPunct="0">
-              <a:spcBef>
-                <a:spcPct val="0"/>
-              </a:spcBef>
-              <a:spcAft>
-                <a:spcPct val="0"/>
-              </a:spcAft>
-              <a:buClr>
-                <a:schemeClr val="tx1"/>
-              </a:buClr>
-              <a:buFont typeface="Wingdings" pitchFamily="2" charset="2"/>
-              <a:buChar char="§"/>
-              <a:defRPr kumimoji="1" sz="1200" b="1">
-                <a:solidFill>
-                  <a:schemeClr val="tx1"/>
-                </a:solidFill>
-                <a:latin typeface="Arial" charset="0"/>
-                <a:ea typeface="Dotum" pitchFamily="50" charset="-127"/>
-                <a:sym typeface="Wingdings" pitchFamily="2" charset="2"/>
-              </a:defRPr>
-            </a:lvl7pPr>
-            <a:lvl8pPr marL="3429000" indent="-228600" algn="ctr" eaLnBrk="0" fontAlgn="base" hangingPunct="0">
-              <a:spcBef>
-                <a:spcPct val="0"/>
-              </a:spcBef>
-              <a:spcAft>
-                <a:spcPct val="0"/>
-              </a:spcAft>
-              <a:buClr>
-                <a:schemeClr val="tx1"/>
-              </a:buClr>
-              <a:buFont typeface="Wingdings" pitchFamily="2" charset="2"/>
-              <a:buChar char="§"/>
-              <a:defRPr kumimoji="1" sz="1200" b="1">
-                <a:solidFill>
-                  <a:schemeClr val="tx1"/>
-                </a:solidFill>
-                <a:latin typeface="Arial" charset="0"/>
-                <a:ea typeface="Dotum" pitchFamily="50" charset="-127"/>
-                <a:sym typeface="Wingdings" pitchFamily="2" charset="2"/>
-              </a:defRPr>
-            </a:lvl8pPr>
-            <a:lvl9pPr marL="3886200" indent="-228600" algn="ctr" eaLnBrk="0" fontAlgn="base" hangingPunct="0">
-              <a:spcBef>
-                <a:spcPct val="0"/>
-              </a:spcBef>
-              <a:spcAft>
-                <a:spcPct val="0"/>
-              </a:spcAft>
-              <a:buClr>
-                <a:schemeClr val="tx1"/>
-              </a:buClr>
-              <a:buFont typeface="Wingdings" pitchFamily="2" charset="2"/>
-              <a:buChar char="§"/>
-              <a:defRPr kumimoji="1" sz="1200" b="1">
-                <a:solidFill>
-                  <a:schemeClr val="tx1"/>
-                </a:solidFill>
-                <a:latin typeface="Arial" charset="0"/>
-                <a:ea typeface="Dotum" pitchFamily="50" charset="-127"/>
-                <a:sym typeface="Wingdings" pitchFamily="2" charset="2"/>
-              </a:defRPr>
-            </a:lvl9pPr>
-          </a:lstStyle>
-          <a:p>
-            <a:pPr algn="ctr" defTabSz="844083" eaLnBrk="1" hangingPunct="1"/>
-            <a:r>
-              <a:rPr lang="en-US" altLang="ko-KR" sz="1385" dirty="0" smtClean="0">
-                <a:solidFill>
-                  <a:srgbClr val="000000"/>
-                </a:solidFill>
-                <a:latin typeface="Arial Narrow" panose="020B0606020202030204" pitchFamily="34" charset="0"/>
-                <a:ea typeface="LG스마트체 Regular" panose="020B0600000101010101" pitchFamily="50" charset="-127"/>
-                <a:cs typeface="Arial" panose="020B0604020202020204" pitchFamily="34" charset="0"/>
-              </a:rPr>
-              <a:t>2024.10</a:t>
-            </a:r>
-            <a:endParaRPr lang="ko-KR" altLang="en-US" sz="1385" dirty="0">
-              <a:solidFill>
-                <a:srgbClr val="000000"/>
-              </a:solidFill>
-              <a:latin typeface="Arial Narrow" panose="020B0606020202030204" pitchFamily="34" charset="0"/>
-              <a:ea typeface="LG스마트체 Regular" panose="020B0600000101010101" pitchFamily="50" charset="-127"/>
-              <a:cs typeface="Arial" panose="020B0604020202020204" pitchFamily="34" charset="0"/>
-            </a:endParaRPr>
-          </a:p>
-        </p:txBody>
-      </p:sp>
-      <p:sp>
-        <p:nvSpPr>
-          <p:cNvPr id="7" name="Text Box 4"/>
-          <p:cNvSpPr txBox="1">
-            <a:spLocks noChangeArrowheads="1"/>
-          </p:cNvSpPr>
-          <p:nvPr/>
-        </p:nvSpPr>
-        <p:spPr bwMode="auto">
-          <a:xfrm>
-            <a:off x="10800322" y="6190490"/>
-            <a:ext cx="1444627" cy="319639"/>
-          </a:xfrm>
-          <a:prstGeom prst="rect">
-            <a:avLst/>
-          </a:prstGeom>
-          <a:noFill/>
-          <a:ln>
-            <a:noFill/>
-          </a:ln>
-          <a:extLst>
-            <a:ext uri="{909E8E84-426E-40DD-AFC4-6F175D3DCCD1}">
-              <a14:hiddenFill xmlns:a14="http://schemas.microsoft.com/office/drawing/2010/main">
-                <a:solidFill>
-                  <a:srgbClr val="FFFFFF"/>
-                </a:solidFill>
-              </a14:hiddenFill>
-            </a:ext>
-            <a:ext uri="{91240B29-F687-4F45-9708-019B960494DF}">
-              <a14:hiddenLine xmlns:a14="http://schemas.microsoft.com/office/drawing/2010/main" w="9525">
-                <a:solidFill>
-                  <a:srgbClr val="000000"/>
-                </a:solidFill>
-                <a:miter lim="800000"/>
-                <a:headEnd/>
-                <a:tailEnd/>
-              </a14:hiddenLine>
-            </a:ext>
-          </a:extLst>
-        </p:spPr>
-        <p:txBody>
-          <a:bodyPr wrap="none">
-            <a:spAutoFit/>
-          </a:bodyPr>
-          <a:lstStyle>
-            <a:lvl1pPr marL="230188" indent="-230188" eaLnBrk="0" hangingPunct="0">
-              <a:defRPr kumimoji="1" sz="1200" b="1">
-                <a:solidFill>
-                  <a:schemeClr val="tx1"/>
-                </a:solidFill>
-                <a:latin typeface="Arial" charset="0"/>
-                <a:ea typeface="Dotum" pitchFamily="50" charset="-127"/>
-                <a:sym typeface="Wingdings" pitchFamily="2" charset="2"/>
-              </a:defRPr>
-            </a:lvl1pPr>
-            <a:lvl2pPr marL="742950" indent="-285750" eaLnBrk="0" hangingPunct="0">
-              <a:defRPr kumimoji="1" sz="1200" b="1">
-                <a:solidFill>
-                  <a:schemeClr val="tx1"/>
-                </a:solidFill>
-                <a:latin typeface="Arial" charset="0"/>
-                <a:ea typeface="Dotum" pitchFamily="50" charset="-127"/>
-                <a:sym typeface="Wingdings" pitchFamily="2" charset="2"/>
-              </a:defRPr>
-            </a:lvl2pPr>
-            <a:lvl3pPr marL="1143000" indent="-228600" eaLnBrk="0" hangingPunct="0">
-              <a:defRPr kumimoji="1" sz="1200" b="1">
-                <a:solidFill>
-                  <a:schemeClr val="tx1"/>
-                </a:solidFill>
-                <a:latin typeface="Arial" charset="0"/>
-                <a:ea typeface="Dotum" pitchFamily="50" charset="-127"/>
-                <a:sym typeface="Wingdings" pitchFamily="2" charset="2"/>
-              </a:defRPr>
-            </a:lvl3pPr>
-            <a:lvl4pPr marL="1600200" indent="-228600" eaLnBrk="0" hangingPunct="0">
-              <a:defRPr kumimoji="1" sz="1200" b="1">
-                <a:solidFill>
-                  <a:schemeClr val="tx1"/>
-                </a:solidFill>
-                <a:latin typeface="Arial" charset="0"/>
-                <a:ea typeface="Dotum" pitchFamily="50" charset="-127"/>
-                <a:sym typeface="Wingdings" pitchFamily="2" charset="2"/>
-              </a:defRPr>
-            </a:lvl4pPr>
-            <a:lvl5pPr marL="2057400" indent="-228600" eaLnBrk="0" hangingPunct="0">
-              <a:defRPr kumimoji="1" sz="1200" b="1">
-                <a:solidFill>
-                  <a:schemeClr val="tx1"/>
-                </a:solidFill>
-                <a:latin typeface="Arial" charset="0"/>
-                <a:ea typeface="Dotum" pitchFamily="50" charset="-127"/>
-                <a:sym typeface="Wingdings" pitchFamily="2" charset="2"/>
-              </a:defRPr>
-            </a:lvl5pPr>
-            <a:lvl6pPr marL="2514600" indent="-228600" algn="ctr" eaLnBrk="0" fontAlgn="base" hangingPunct="0">
-              <a:spcBef>
-                <a:spcPct val="0"/>
-              </a:spcBef>
-              <a:spcAft>
-                <a:spcPct val="0"/>
-              </a:spcAft>
-              <a:buClr>
-                <a:schemeClr val="tx1"/>
-              </a:buClr>
-              <a:buFont typeface="Wingdings" pitchFamily="2" charset="2"/>
-              <a:buChar char="§"/>
-              <a:defRPr kumimoji="1" sz="1200" b="1">
-                <a:solidFill>
-                  <a:schemeClr val="tx1"/>
-                </a:solidFill>
-                <a:latin typeface="Arial" charset="0"/>
-                <a:ea typeface="Dotum" pitchFamily="50" charset="-127"/>
-                <a:sym typeface="Wingdings" pitchFamily="2" charset="2"/>
-              </a:defRPr>
-            </a:lvl6pPr>
-            <a:lvl7pPr marL="2971800" indent="-228600" algn="ctr" eaLnBrk="0" fontAlgn="base" hangingPunct="0">
-              <a:spcBef>
-                <a:spcPct val="0"/>
-              </a:spcBef>
-              <a:spcAft>
-                <a:spcPct val="0"/>
-              </a:spcAft>
-              <a:buClr>
-                <a:schemeClr val="tx1"/>
-              </a:buClr>
-              <a:buFont typeface="Wingdings" pitchFamily="2" charset="2"/>
-              <a:buChar char="§"/>
-              <a:defRPr kumimoji="1" sz="1200" b="1">
-                <a:solidFill>
-                  <a:schemeClr val="tx1"/>
-                </a:solidFill>
-                <a:latin typeface="Arial" charset="0"/>
-                <a:ea typeface="Dotum" pitchFamily="50" charset="-127"/>
-                <a:sym typeface="Wingdings" pitchFamily="2" charset="2"/>
-              </a:defRPr>
-            </a:lvl7pPr>
-            <a:lvl8pPr marL="3429000" indent="-228600" algn="ctr" eaLnBrk="0" fontAlgn="base" hangingPunct="0">
-              <a:spcBef>
-                <a:spcPct val="0"/>
-              </a:spcBef>
-              <a:spcAft>
-                <a:spcPct val="0"/>
-              </a:spcAft>
-              <a:buClr>
-                <a:schemeClr val="tx1"/>
-              </a:buClr>
-              <a:buFont typeface="Wingdings" pitchFamily="2" charset="2"/>
-              <a:buChar char="§"/>
-              <a:defRPr kumimoji="1" sz="1200" b="1">
-                <a:solidFill>
-                  <a:schemeClr val="tx1"/>
-                </a:solidFill>
-                <a:latin typeface="Arial" charset="0"/>
-                <a:ea typeface="Dotum" pitchFamily="50" charset="-127"/>
-                <a:sym typeface="Wingdings" pitchFamily="2" charset="2"/>
-              </a:defRPr>
-            </a:lvl8pPr>
-            <a:lvl9pPr marL="3886200" indent="-228600" algn="ctr" eaLnBrk="0" fontAlgn="base" hangingPunct="0">
-              <a:spcBef>
-                <a:spcPct val="0"/>
-              </a:spcBef>
-              <a:spcAft>
-                <a:spcPct val="0"/>
-              </a:spcAft>
-              <a:buClr>
-                <a:schemeClr val="tx1"/>
-              </a:buClr>
-              <a:buFont typeface="Wingdings" pitchFamily="2" charset="2"/>
-              <a:buChar char="§"/>
-              <a:defRPr kumimoji="1" sz="1200" b="1">
-                <a:solidFill>
-                  <a:schemeClr val="tx1"/>
-                </a:solidFill>
-                <a:latin typeface="Arial" charset="0"/>
-                <a:ea typeface="Dotum" pitchFamily="50" charset="-127"/>
-                <a:sym typeface="Wingdings" pitchFamily="2" charset="2"/>
-              </a:defRPr>
-            </a:lvl9pPr>
-          </a:lstStyle>
-          <a:p>
-            <a:pPr algn="ctr" defTabSz="844083" eaLnBrk="1" hangingPunct="1"/>
-            <a:r>
-              <a:rPr lang="en-US" altLang="ko-KR" sz="1477" dirty="0" smtClean="0">
-                <a:solidFill>
-                  <a:srgbClr val="000000"/>
-                </a:solidFill>
-                <a:latin typeface="Arial Narrow" panose="020B0606020202030204" pitchFamily="34" charset="0"/>
-                <a:ea typeface="LG스마트체 Regular" panose="020B0600000101010101" pitchFamily="50" charset="-127"/>
-                <a:cs typeface="Arial" panose="020B0604020202020204" pitchFamily="34" charset="0"/>
-              </a:rPr>
-              <a:t>LGEDV </a:t>
-            </a:r>
-            <a:r>
-              <a:rPr lang="en-US" altLang="ko-KR" sz="1477" dirty="0">
-                <a:solidFill>
-                  <a:srgbClr val="000000"/>
-                </a:solidFill>
-                <a:latin typeface="Arial Narrow" panose="020B0606020202030204" pitchFamily="34" charset="0"/>
-                <a:ea typeface="LG스마트체 Regular" panose="020B0600000101010101" pitchFamily="50" charset="-127"/>
-                <a:cs typeface="Arial" panose="020B0604020202020204" pitchFamily="34" charset="0"/>
-              </a:rPr>
-              <a:t>DANANG</a:t>
-            </a:r>
-            <a:endParaRPr lang="ko-KR" altLang="en-US" sz="1477" dirty="0">
-              <a:solidFill>
-                <a:srgbClr val="000000"/>
-              </a:solidFill>
-              <a:latin typeface="Arial Narrow" panose="020B0606020202030204" pitchFamily="34" charset="0"/>
-              <a:ea typeface="LG스마트체 Regular" panose="020B0600000101010101" pitchFamily="50" charset="-127"/>
-              <a:cs typeface="Arial" panose="020B0604020202020204" pitchFamily="34" charset="0"/>
-            </a:endParaRPr>
-          </a:p>
-        </p:txBody>
-      </p:sp>
-      <p:sp>
-        <p:nvSpPr>
-          <p:cNvPr id="9" name="Rectangle 8"/>
+      <p:sp>
+        <p:nvSpPr>
+          <p:cNvPr id="2" name="Rectangle 1"/>
           <p:cNvSpPr/>
           <p:nvPr/>
         </p:nvSpPr>
         <p:spPr>
           <a:xfrm>
-            <a:off x="0" y="1113022"/>
-            <a:ext cx="12192000" cy="118111"/>
+            <a:off x="579717" y="1990165"/>
+            <a:ext cx="9747623" cy="2719294"/>
           </a:xfrm>
           <a:prstGeom prst="rect">
             <a:avLst/>
@@ -8061,15 +7612,15 @@
         </p:spPr>
         <p:style>
           <a:lnRef idx="2">
-            <a:schemeClr val="dk1">
+            <a:schemeClr val="accent1">
               <a:shade val="50000"/>
             </a:schemeClr>
           </a:lnRef>
           <a:fillRef idx="1">
-            <a:schemeClr val="dk1"/>
+            <a:schemeClr val="accent1"/>
           </a:fillRef>
           <a:effectRef idx="0">
-            <a:schemeClr val="dk1"/>
+            <a:schemeClr val="accent1"/>
           </a:effectRef>
           <a:fontRef idx="minor">
             <a:schemeClr val="lt1"/>
@@ -8079,75 +7630,61 @@
           <a:bodyPr rtlCol="0" anchor="ctr"/>
           <a:lstStyle/>
           <a:p>
-            <a:pPr algn="ctr"/>
-            <a:endParaRPr lang="en-US">
-              <a:solidFill>
-                <a:schemeClr val="tx1"/>
-              </a:solidFill>
-            </a:endParaRPr>
-          </a:p>
-        </p:txBody>
-      </p:sp>
-      <p:sp>
-        <p:nvSpPr>
-          <p:cNvPr id="11" name="TextBox 10"/>
-          <p:cNvSpPr txBox="1"/>
-          <p:nvPr/>
-        </p:nvSpPr>
-        <p:spPr>
-          <a:xfrm>
-            <a:off x="247650" y="466691"/>
-            <a:ext cx="3336491" cy="646331"/>
-          </a:xfrm>
-          <a:prstGeom prst="rect">
-            <a:avLst/>
-          </a:prstGeom>
-          <a:noFill/>
-        </p:spPr>
-        <p:txBody>
-          <a:bodyPr wrap="none" rtlCol="0">
-            <a:spAutoFit/>
-          </a:bodyPr>
-          <a:lstStyle/>
-          <a:p>
-            <a:r>
-              <a:rPr lang="en-US" sz="3600" b="1" dirty="0" smtClean="0"/>
-              <a:t>LSM Compositor</a:t>
-            </a:r>
-            <a:endParaRPr lang="en-US" sz="3600" b="1" dirty="0"/>
-          </a:p>
-        </p:txBody>
-      </p:sp>
-      <p:pic>
-        <p:nvPicPr>
-          <p:cNvPr id="8" name="Picture 7"/>
-          <p:cNvPicPr>
-            <a:picLocks noChangeAspect="1"/>
-          </p:cNvPicPr>
-          <p:nvPr/>
-        </p:nvPicPr>
-        <p:blipFill>
-          <a:blip r:embed="rId2" cstate="print">
-            <a:extLst>
-              <a:ext uri="{28A0092B-C50C-407E-A947-70E740481C1C}">
-                <a14:useLocalDpi xmlns:a14="http://schemas.microsoft.com/office/drawing/2010/main" val="0"/>
-              </a:ext>
-            </a:extLst>
-          </a:blip>
-          <a:stretch>
-            <a:fillRect/>
-          </a:stretch>
-        </p:blipFill>
-        <p:spPr>
-          <a:xfrm>
-            <a:off x="10423134" y="302043"/>
-            <a:ext cx="1440160" cy="630070"/>
-          </a:xfrm>
-          <a:prstGeom prst="rect">
-            <a:avLst/>
-          </a:prstGeom>
-        </p:spPr>
-      </p:pic>
+            <a:r>
+              <a:rPr lang="en-US"/>
+              <a:t>Phần 1: Overview</a:t>
+            </a:r>
+          </a:p>
+          <a:p>
+            <a:pPr fontAlgn="ctr"/>
+            <a:r>
+              <a:rPr lang="en-US"/>
+              <a:t>Giới thiệu về LSM, chức năng, context diagram: Trieu Phan</a:t>
+            </a:r>
+          </a:p>
+          <a:p>
+            <a:pPr fontAlgn="ctr"/>
+            <a:r>
+              <a:rPr lang="en-US"/>
+              <a:t>Wayland protocol, Wayland EGL, Wayland Adaptation: Trieu Tran</a:t>
+            </a:r>
+          </a:p>
+          <a:p>
+            <a:pPr fontAlgn="ctr"/>
+            <a:r>
+              <a:rPr lang="en-US"/>
+              <a:t>QPA - Qt Platform Abstraction Trieu Phan.</a:t>
+            </a:r>
+          </a:p>
+          <a:p>
+            <a:r>
+              <a:rPr lang="en-US"/>
+              <a:t>Phần 2: Main content  - LSM Compositor</a:t>
+            </a:r>
+          </a:p>
+          <a:p>
+            <a:pPr fontAlgn="ctr"/>
+            <a:r>
+              <a:rPr lang="en-US"/>
+              <a:t>Giới thiệu chức năng chi tiết về LSM,  starfish LSM, component diagram: Trieu Tran</a:t>
+            </a:r>
+          </a:p>
+          <a:p>
+            <a:pPr fontAlgn="ctr"/>
+            <a:r>
+              <a:rPr lang="en-US"/>
+              <a:t>Internal sequence (start, ..): Trieu Tran</a:t>
+            </a:r>
+          </a:p>
+          <a:p>
+            <a:pPr fontAlgn="ctr"/>
+            <a:r>
+              <a:rPr lang="en-US"/>
+              <a:t>Các external API - sequence: Trieu Phan.</a:t>
+            </a:r>
+          </a:p>
+        </p:txBody>
+      </p:sp>
     </p:spTree>
     <p:extLst>
       <p:ext uri="{BB962C8B-B14F-4D97-AF65-F5344CB8AC3E}">

--- a/present/LSM-WebOS.pptx
+++ b/present/LSM-WebOS.pptx
@@ -10,6 +10,7 @@
     <p:sldId id="264" r:id="rId4"/>
     <p:sldId id="263" r:id="rId5"/>
     <p:sldId id="262" r:id="rId6"/>
+    <p:sldId id="265" r:id="rId7"/>
   </p:sldIdLst>
   <p:sldSz cx="12192000" cy="6858000"/>
   <p:notesSz cx="6858000" cy="9144000"/>
@@ -247,7 +248,7 @@
           <a:p>
             <a:fld id="{97091162-3F0A-45CA-9196-DB275E8F9E6C}" type="datetimeFigureOut">
               <a:rPr lang="en-US" smtClean="0"/>
-              <a:t>10/7/2024</a:t>
+              <a:t>10/21/2024</a:t>
             </a:fld>
             <a:endParaRPr lang="en-US"/>
           </a:p>
@@ -417,7 +418,7 @@
           <a:p>
             <a:fld id="{97091162-3F0A-45CA-9196-DB275E8F9E6C}" type="datetimeFigureOut">
               <a:rPr lang="en-US" smtClean="0"/>
-              <a:t>10/7/2024</a:t>
+              <a:t>10/21/2024</a:t>
             </a:fld>
             <a:endParaRPr lang="en-US"/>
           </a:p>
@@ -597,7 +598,7 @@
           <a:p>
             <a:fld id="{97091162-3F0A-45CA-9196-DB275E8F9E6C}" type="datetimeFigureOut">
               <a:rPr lang="en-US" smtClean="0"/>
-              <a:t>10/7/2024</a:t>
+              <a:t>10/21/2024</a:t>
             </a:fld>
             <a:endParaRPr lang="en-US"/>
           </a:p>
@@ -767,7 +768,7 @@
           <a:p>
             <a:fld id="{97091162-3F0A-45CA-9196-DB275E8F9E6C}" type="datetimeFigureOut">
               <a:rPr lang="en-US" smtClean="0"/>
-              <a:t>10/7/2024</a:t>
+              <a:t>10/21/2024</a:t>
             </a:fld>
             <a:endParaRPr lang="en-US"/>
           </a:p>
@@ -1013,7 +1014,7 @@
           <a:p>
             <a:fld id="{97091162-3F0A-45CA-9196-DB275E8F9E6C}" type="datetimeFigureOut">
               <a:rPr lang="en-US" smtClean="0"/>
-              <a:t>10/7/2024</a:t>
+              <a:t>10/21/2024</a:t>
             </a:fld>
             <a:endParaRPr lang="en-US"/>
           </a:p>
@@ -1245,7 +1246,7 @@
           <a:p>
             <a:fld id="{97091162-3F0A-45CA-9196-DB275E8F9E6C}" type="datetimeFigureOut">
               <a:rPr lang="en-US" smtClean="0"/>
-              <a:t>10/7/2024</a:t>
+              <a:t>10/21/2024</a:t>
             </a:fld>
             <a:endParaRPr lang="en-US"/>
           </a:p>
@@ -1612,7 +1613,7 @@
           <a:p>
             <a:fld id="{97091162-3F0A-45CA-9196-DB275E8F9E6C}" type="datetimeFigureOut">
               <a:rPr lang="en-US" smtClean="0"/>
-              <a:t>10/7/2024</a:t>
+              <a:t>10/21/2024</a:t>
             </a:fld>
             <a:endParaRPr lang="en-US"/>
           </a:p>
@@ -1730,7 +1731,7 @@
           <a:p>
             <a:fld id="{97091162-3F0A-45CA-9196-DB275E8F9E6C}" type="datetimeFigureOut">
               <a:rPr lang="en-US" smtClean="0"/>
-              <a:t>10/7/2024</a:t>
+              <a:t>10/21/2024</a:t>
             </a:fld>
             <a:endParaRPr lang="en-US"/>
           </a:p>
@@ -1825,7 +1826,7 @@
           <a:p>
             <a:fld id="{97091162-3F0A-45CA-9196-DB275E8F9E6C}" type="datetimeFigureOut">
               <a:rPr lang="en-US" smtClean="0"/>
-              <a:t>10/7/2024</a:t>
+              <a:t>10/21/2024</a:t>
             </a:fld>
             <a:endParaRPr lang="en-US"/>
           </a:p>
@@ -2102,7 +2103,7 @@
           <a:p>
             <a:fld id="{97091162-3F0A-45CA-9196-DB275E8F9E6C}" type="datetimeFigureOut">
               <a:rPr lang="en-US" smtClean="0"/>
-              <a:t>10/7/2024</a:t>
+              <a:t>10/21/2024</a:t>
             </a:fld>
             <a:endParaRPr lang="en-US"/>
           </a:p>
@@ -2355,7 +2356,7 @@
           <a:p>
             <a:fld id="{97091162-3F0A-45CA-9196-DB275E8F9E6C}" type="datetimeFigureOut">
               <a:rPr lang="en-US" smtClean="0"/>
-              <a:t>10/7/2024</a:t>
+              <a:t>10/21/2024</a:t>
             </a:fld>
             <a:endParaRPr lang="en-US"/>
           </a:p>
@@ -2568,7 +2569,7 @@
           <a:p>
             <a:fld id="{97091162-3F0A-45CA-9196-DB275E8F9E6C}" type="datetimeFigureOut">
               <a:rPr lang="en-US" smtClean="0"/>
-              <a:t>10/7/2024</a:t>
+              <a:t>10/21/2024</a:t>
             </a:fld>
             <a:endParaRPr lang="en-US"/>
           </a:p>
@@ -3843,7 +3844,7 @@
         <p:spPr bwMode="auto">
           <a:xfrm>
             <a:off x="3422114" y="3057545"/>
-            <a:ext cx="5347772" cy="2751692"/>
+            <a:ext cx="5596380" cy="2453405"/>
           </a:xfrm>
           <a:prstGeom prst="rect">
             <a:avLst/>
@@ -4029,13 +4030,6 @@
               </a:rPr>
               <a:t>Overview</a:t>
             </a:r>
-            <a:endParaRPr lang="en-US" altLang="ko-KR" sz="1292" dirty="0" smtClean="0">
-              <a:solidFill>
-                <a:prstClr val="black"/>
-              </a:solidFill>
-              <a:latin typeface="Arial Narrow" panose="020B0606020202030204" pitchFamily="34" charset="0"/>
-              <a:ea typeface="LG스마트체 Regular" panose="020B0600000101010101" pitchFamily="50" charset="-127"/>
-            </a:endParaRPr>
           </a:p>
           <a:p>
             <a:pPr marL="960437" lvl="1" indent="-216000" defTabSz="844083" eaLnBrk="1" hangingPunct="1">
@@ -4072,13 +4066,6 @@
               </a:rPr>
               <a:t>Wayland Protocol, Wayland EGL, Wayland Adaptation</a:t>
             </a:r>
-            <a:endParaRPr lang="en-US" altLang="ko-KR" sz="1292" dirty="0" smtClean="0">
-              <a:solidFill>
-                <a:prstClr val="black"/>
-              </a:solidFill>
-              <a:latin typeface="Arial Narrow" panose="020B0606020202030204" pitchFamily="34" charset="0"/>
-              <a:ea typeface="LG스마트체 Regular" panose="020B0600000101010101" pitchFamily="50" charset="-127"/>
-            </a:endParaRPr>
           </a:p>
           <a:p>
             <a:pPr marL="960437" lvl="1" indent="-216000" defTabSz="844083" eaLnBrk="1" hangingPunct="1">
@@ -4142,13 +4129,6 @@
               </a:rPr>
               <a:t>Main Content</a:t>
             </a:r>
-            <a:endParaRPr lang="en-US" altLang="ko-KR" sz="1292" dirty="0" smtClean="0">
-              <a:solidFill>
-                <a:prstClr val="black"/>
-              </a:solidFill>
-              <a:latin typeface="Arial Narrow" panose="020B0606020202030204" pitchFamily="34" charset="0"/>
-              <a:ea typeface="LG스마트체 Regular" panose="020B0600000101010101" pitchFamily="50" charset="-127"/>
-            </a:endParaRPr>
           </a:p>
           <a:p>
             <a:pPr marL="960437" lvl="1" indent="-216000" defTabSz="844083" eaLnBrk="1" hangingPunct="1">
@@ -4167,13 +4147,6 @@
               </a:rPr>
               <a:t>Functionality in details of LSM, starfish LSM and component diagram</a:t>
             </a:r>
-            <a:endParaRPr lang="en-US" altLang="ko-KR" sz="1292" dirty="0" smtClean="0">
-              <a:solidFill>
-                <a:prstClr val="black"/>
-              </a:solidFill>
-              <a:latin typeface="Arial Narrow" panose="020B0606020202030204" pitchFamily="34" charset="0"/>
-              <a:ea typeface="LG스마트체 Regular" panose="020B0600000101010101" pitchFamily="50" charset="-127"/>
-            </a:endParaRPr>
           </a:p>
           <a:p>
             <a:pPr marL="960437" lvl="1" indent="-216000" defTabSz="844083" eaLnBrk="1" hangingPunct="1">
@@ -4192,13 +4165,6 @@
               </a:rPr>
               <a:t>Internal sequence</a:t>
             </a:r>
-            <a:endParaRPr lang="en-US" altLang="ko-KR" sz="1292" dirty="0" smtClean="0">
-              <a:solidFill>
-                <a:prstClr val="black"/>
-              </a:solidFill>
-              <a:latin typeface="Arial Narrow" panose="020B0606020202030204" pitchFamily="34" charset="0"/>
-              <a:ea typeface="LG스마트체 Regular" panose="020B0600000101010101" pitchFamily="50" charset="-127"/>
-            </a:endParaRPr>
           </a:p>
           <a:p>
             <a:pPr marL="960437" lvl="1" indent="-216000" defTabSz="844083" eaLnBrk="1" hangingPunct="1">
@@ -4217,13 +4183,6 @@
               </a:rPr>
               <a:t>External API - sequence</a:t>
             </a:r>
-            <a:endParaRPr lang="en-US" altLang="ko-KR" sz="1292" dirty="0" smtClean="0">
-              <a:solidFill>
-                <a:prstClr val="black"/>
-              </a:solidFill>
-              <a:latin typeface="Arial Narrow" panose="020B0606020202030204" pitchFamily="34" charset="0"/>
-              <a:ea typeface="LG스마트체 Regular" panose="020B0600000101010101" pitchFamily="50" charset="-127"/>
-            </a:endParaRPr>
           </a:p>
         </p:txBody>
       </p:sp>
@@ -7595,16 +7554,472 @@
           </a:prstGeom>
         </p:spPr>
       </p:pic>
-      <p:sp>
-        <p:nvSpPr>
-          <p:cNvPr id="2" name="Rectangle 1"/>
+    </p:spTree>
+    <p:extLst>
+      <p:ext uri="{BB962C8B-B14F-4D97-AF65-F5344CB8AC3E}">
+        <p14:creationId xmlns:p14="http://schemas.microsoft.com/office/powerpoint/2010/main" val="2843810777"/>
+      </p:ext>
+    </p:extLst>
+  </p:cSld>
+  <p:clrMapOvr>
+    <a:masterClrMapping/>
+  </p:clrMapOvr>
+  <p:timing>
+    <p:tnLst>
+      <p:par>
+        <p:cTn id="1" dur="indefinite" restart="never" nodeType="tmRoot"/>
+      </p:par>
+    </p:tnLst>
+  </p:timing>
+</p:sld>
+</file>
+
+<file path=ppt/slides/slide6.xml><?xml version="1.0" encoding="utf-8"?>
+<p:sld xmlns:a="http://schemas.openxmlformats.org/drawingml/2006/main" xmlns:r="http://schemas.openxmlformats.org/officeDocument/2006/relationships" xmlns:p="http://schemas.openxmlformats.org/presentationml/2006/main">
+  <p:cSld>
+    <p:spTree>
+      <p:nvGrpSpPr>
+        <p:cNvPr id="1" name=""/>
+        <p:cNvGrpSpPr/>
+        <p:nvPr/>
+      </p:nvGrpSpPr>
+      <p:grpSpPr>
+        <a:xfrm>
+          <a:off x="0" y="0"/>
+          <a:ext cx="0" cy="0"/>
+          <a:chOff x="0" y="0"/>
+          <a:chExt cx="0" cy="0"/>
+        </a:xfrm>
+      </p:grpSpPr>
+      <p:sp>
+        <p:nvSpPr>
+          <p:cNvPr id="6" name="Text Box 3"/>
+          <p:cNvSpPr txBox="1">
+            <a:spLocks noChangeArrowheads="1"/>
+          </p:cNvSpPr>
+          <p:nvPr/>
+        </p:nvSpPr>
+        <p:spPr bwMode="auto">
+          <a:xfrm>
+            <a:off x="11165005" y="6510129"/>
+            <a:ext cx="715260" cy="305468"/>
+          </a:xfrm>
+          <a:prstGeom prst="rect">
+            <a:avLst/>
+          </a:prstGeom>
+          <a:noFill/>
+          <a:ln>
+            <a:noFill/>
+          </a:ln>
+          <a:extLst>
+            <a:ext uri="{909E8E84-426E-40DD-AFC4-6F175D3DCCD1}">
+              <a14:hiddenFill xmlns:a14="http://schemas.microsoft.com/office/drawing/2010/main">
+                <a:solidFill>
+                  <a:srgbClr val="FFFFFF"/>
+                </a:solidFill>
+              </a14:hiddenFill>
+            </a:ext>
+            <a:ext uri="{91240B29-F687-4F45-9708-019B960494DF}">
+              <a14:hiddenLine xmlns:a14="http://schemas.microsoft.com/office/drawing/2010/main" w="9525">
+                <a:solidFill>
+                  <a:srgbClr val="000000"/>
+                </a:solidFill>
+                <a:miter lim="800000"/>
+                <a:headEnd/>
+                <a:tailEnd/>
+              </a14:hiddenLine>
+            </a:ext>
+          </a:extLst>
+        </p:spPr>
+        <p:txBody>
+          <a:bodyPr wrap="none">
+            <a:spAutoFit/>
+          </a:bodyPr>
+          <a:lstStyle>
+            <a:lvl1pPr marL="230188" indent="-230188" eaLnBrk="0" hangingPunct="0">
+              <a:defRPr kumimoji="1" sz="1200" b="1">
+                <a:solidFill>
+                  <a:schemeClr val="tx1"/>
+                </a:solidFill>
+                <a:latin typeface="Arial" charset="0"/>
+                <a:ea typeface="Dotum" pitchFamily="50" charset="-127"/>
+                <a:sym typeface="Wingdings" pitchFamily="2" charset="2"/>
+              </a:defRPr>
+            </a:lvl1pPr>
+            <a:lvl2pPr marL="742950" indent="-285750" eaLnBrk="0" hangingPunct="0">
+              <a:defRPr kumimoji="1" sz="1200" b="1">
+                <a:solidFill>
+                  <a:schemeClr val="tx1"/>
+                </a:solidFill>
+                <a:latin typeface="Arial" charset="0"/>
+                <a:ea typeface="Dotum" pitchFamily="50" charset="-127"/>
+                <a:sym typeface="Wingdings" pitchFamily="2" charset="2"/>
+              </a:defRPr>
+            </a:lvl2pPr>
+            <a:lvl3pPr marL="1143000" indent="-228600" eaLnBrk="0" hangingPunct="0">
+              <a:defRPr kumimoji="1" sz="1200" b="1">
+                <a:solidFill>
+                  <a:schemeClr val="tx1"/>
+                </a:solidFill>
+                <a:latin typeface="Arial" charset="0"/>
+                <a:ea typeface="Dotum" pitchFamily="50" charset="-127"/>
+                <a:sym typeface="Wingdings" pitchFamily="2" charset="2"/>
+              </a:defRPr>
+            </a:lvl3pPr>
+            <a:lvl4pPr marL="1600200" indent="-228600" eaLnBrk="0" hangingPunct="0">
+              <a:defRPr kumimoji="1" sz="1200" b="1">
+                <a:solidFill>
+                  <a:schemeClr val="tx1"/>
+                </a:solidFill>
+                <a:latin typeface="Arial" charset="0"/>
+                <a:ea typeface="Dotum" pitchFamily="50" charset="-127"/>
+                <a:sym typeface="Wingdings" pitchFamily="2" charset="2"/>
+              </a:defRPr>
+            </a:lvl4pPr>
+            <a:lvl5pPr marL="2057400" indent="-228600" eaLnBrk="0" hangingPunct="0">
+              <a:defRPr kumimoji="1" sz="1200" b="1">
+                <a:solidFill>
+                  <a:schemeClr val="tx1"/>
+                </a:solidFill>
+                <a:latin typeface="Arial" charset="0"/>
+                <a:ea typeface="Dotum" pitchFamily="50" charset="-127"/>
+                <a:sym typeface="Wingdings" pitchFamily="2" charset="2"/>
+              </a:defRPr>
+            </a:lvl5pPr>
+            <a:lvl6pPr marL="2514600" indent="-228600" algn="ctr" eaLnBrk="0" fontAlgn="base" hangingPunct="0">
+              <a:spcBef>
+                <a:spcPct val="0"/>
+              </a:spcBef>
+              <a:spcAft>
+                <a:spcPct val="0"/>
+              </a:spcAft>
+              <a:buClr>
+                <a:schemeClr val="tx1"/>
+              </a:buClr>
+              <a:buFont typeface="Wingdings" pitchFamily="2" charset="2"/>
+              <a:buChar char="§"/>
+              <a:defRPr kumimoji="1" sz="1200" b="1">
+                <a:solidFill>
+                  <a:schemeClr val="tx1"/>
+                </a:solidFill>
+                <a:latin typeface="Arial" charset="0"/>
+                <a:ea typeface="Dotum" pitchFamily="50" charset="-127"/>
+                <a:sym typeface="Wingdings" pitchFamily="2" charset="2"/>
+              </a:defRPr>
+            </a:lvl6pPr>
+            <a:lvl7pPr marL="2971800" indent="-228600" algn="ctr" eaLnBrk="0" fontAlgn="base" hangingPunct="0">
+              <a:spcBef>
+                <a:spcPct val="0"/>
+              </a:spcBef>
+              <a:spcAft>
+                <a:spcPct val="0"/>
+              </a:spcAft>
+              <a:buClr>
+                <a:schemeClr val="tx1"/>
+              </a:buClr>
+              <a:buFont typeface="Wingdings" pitchFamily="2" charset="2"/>
+              <a:buChar char="§"/>
+              <a:defRPr kumimoji="1" sz="1200" b="1">
+                <a:solidFill>
+                  <a:schemeClr val="tx1"/>
+                </a:solidFill>
+                <a:latin typeface="Arial" charset="0"/>
+                <a:ea typeface="Dotum" pitchFamily="50" charset="-127"/>
+                <a:sym typeface="Wingdings" pitchFamily="2" charset="2"/>
+              </a:defRPr>
+            </a:lvl7pPr>
+            <a:lvl8pPr marL="3429000" indent="-228600" algn="ctr" eaLnBrk="0" fontAlgn="base" hangingPunct="0">
+              <a:spcBef>
+                <a:spcPct val="0"/>
+              </a:spcBef>
+              <a:spcAft>
+                <a:spcPct val="0"/>
+              </a:spcAft>
+              <a:buClr>
+                <a:schemeClr val="tx1"/>
+              </a:buClr>
+              <a:buFont typeface="Wingdings" pitchFamily="2" charset="2"/>
+              <a:buChar char="§"/>
+              <a:defRPr kumimoji="1" sz="1200" b="1">
+                <a:solidFill>
+                  <a:schemeClr val="tx1"/>
+                </a:solidFill>
+                <a:latin typeface="Arial" charset="0"/>
+                <a:ea typeface="Dotum" pitchFamily="50" charset="-127"/>
+                <a:sym typeface="Wingdings" pitchFamily="2" charset="2"/>
+              </a:defRPr>
+            </a:lvl8pPr>
+            <a:lvl9pPr marL="3886200" indent="-228600" algn="ctr" eaLnBrk="0" fontAlgn="base" hangingPunct="0">
+              <a:spcBef>
+                <a:spcPct val="0"/>
+              </a:spcBef>
+              <a:spcAft>
+                <a:spcPct val="0"/>
+              </a:spcAft>
+              <a:buClr>
+                <a:schemeClr val="tx1"/>
+              </a:buClr>
+              <a:buFont typeface="Wingdings" pitchFamily="2" charset="2"/>
+              <a:buChar char="§"/>
+              <a:defRPr kumimoji="1" sz="1200" b="1">
+                <a:solidFill>
+                  <a:schemeClr val="tx1"/>
+                </a:solidFill>
+                <a:latin typeface="Arial" charset="0"/>
+                <a:ea typeface="Dotum" pitchFamily="50" charset="-127"/>
+                <a:sym typeface="Wingdings" pitchFamily="2" charset="2"/>
+              </a:defRPr>
+            </a:lvl9pPr>
+          </a:lstStyle>
+          <a:p>
+            <a:pPr algn="ctr" defTabSz="844083" eaLnBrk="1" hangingPunct="1"/>
+            <a:r>
+              <a:rPr lang="en-US" altLang="ko-KR" sz="1385" dirty="0" smtClean="0">
+                <a:solidFill>
+                  <a:srgbClr val="000000"/>
+                </a:solidFill>
+                <a:latin typeface="Arial Narrow" panose="020B0606020202030204" pitchFamily="34" charset="0"/>
+                <a:ea typeface="LG스마트체 Regular" panose="020B0600000101010101" pitchFamily="50" charset="-127"/>
+                <a:cs typeface="Arial" panose="020B0604020202020204" pitchFamily="34" charset="0"/>
+              </a:rPr>
+              <a:t>2024.10</a:t>
+            </a:r>
+            <a:endParaRPr lang="ko-KR" altLang="en-US" sz="1385" dirty="0">
+              <a:solidFill>
+                <a:srgbClr val="000000"/>
+              </a:solidFill>
+              <a:latin typeface="Arial Narrow" panose="020B0606020202030204" pitchFamily="34" charset="0"/>
+              <a:ea typeface="LG스마트체 Regular" panose="020B0600000101010101" pitchFamily="50" charset="-127"/>
+              <a:cs typeface="Arial" panose="020B0604020202020204" pitchFamily="34" charset="0"/>
+            </a:endParaRPr>
+          </a:p>
+        </p:txBody>
+      </p:sp>
+      <p:sp>
+        <p:nvSpPr>
+          <p:cNvPr id="7" name="Text Box 4"/>
+          <p:cNvSpPr txBox="1">
+            <a:spLocks noChangeArrowheads="1"/>
+          </p:cNvSpPr>
+          <p:nvPr/>
+        </p:nvSpPr>
+        <p:spPr bwMode="auto">
+          <a:xfrm>
+            <a:off x="10800322" y="6190490"/>
+            <a:ext cx="1444627" cy="319639"/>
+          </a:xfrm>
+          <a:prstGeom prst="rect">
+            <a:avLst/>
+          </a:prstGeom>
+          <a:noFill/>
+          <a:ln>
+            <a:noFill/>
+          </a:ln>
+          <a:extLst>
+            <a:ext uri="{909E8E84-426E-40DD-AFC4-6F175D3DCCD1}">
+              <a14:hiddenFill xmlns:a14="http://schemas.microsoft.com/office/drawing/2010/main">
+                <a:solidFill>
+                  <a:srgbClr val="FFFFFF"/>
+                </a:solidFill>
+              </a14:hiddenFill>
+            </a:ext>
+            <a:ext uri="{91240B29-F687-4F45-9708-019B960494DF}">
+              <a14:hiddenLine xmlns:a14="http://schemas.microsoft.com/office/drawing/2010/main" w="9525">
+                <a:solidFill>
+                  <a:srgbClr val="000000"/>
+                </a:solidFill>
+                <a:miter lim="800000"/>
+                <a:headEnd/>
+                <a:tailEnd/>
+              </a14:hiddenLine>
+            </a:ext>
+          </a:extLst>
+        </p:spPr>
+        <p:txBody>
+          <a:bodyPr wrap="none">
+            <a:spAutoFit/>
+          </a:bodyPr>
+          <a:lstStyle>
+            <a:lvl1pPr marL="230188" indent="-230188" eaLnBrk="0" hangingPunct="0">
+              <a:defRPr kumimoji="1" sz="1200" b="1">
+                <a:solidFill>
+                  <a:schemeClr val="tx1"/>
+                </a:solidFill>
+                <a:latin typeface="Arial" charset="0"/>
+                <a:ea typeface="Dotum" pitchFamily="50" charset="-127"/>
+                <a:sym typeface="Wingdings" pitchFamily="2" charset="2"/>
+              </a:defRPr>
+            </a:lvl1pPr>
+            <a:lvl2pPr marL="742950" indent="-285750" eaLnBrk="0" hangingPunct="0">
+              <a:defRPr kumimoji="1" sz="1200" b="1">
+                <a:solidFill>
+                  <a:schemeClr val="tx1"/>
+                </a:solidFill>
+                <a:latin typeface="Arial" charset="0"/>
+                <a:ea typeface="Dotum" pitchFamily="50" charset="-127"/>
+                <a:sym typeface="Wingdings" pitchFamily="2" charset="2"/>
+              </a:defRPr>
+            </a:lvl2pPr>
+            <a:lvl3pPr marL="1143000" indent="-228600" eaLnBrk="0" hangingPunct="0">
+              <a:defRPr kumimoji="1" sz="1200" b="1">
+                <a:solidFill>
+                  <a:schemeClr val="tx1"/>
+                </a:solidFill>
+                <a:latin typeface="Arial" charset="0"/>
+                <a:ea typeface="Dotum" pitchFamily="50" charset="-127"/>
+                <a:sym typeface="Wingdings" pitchFamily="2" charset="2"/>
+              </a:defRPr>
+            </a:lvl3pPr>
+            <a:lvl4pPr marL="1600200" indent="-228600" eaLnBrk="0" hangingPunct="0">
+              <a:defRPr kumimoji="1" sz="1200" b="1">
+                <a:solidFill>
+                  <a:schemeClr val="tx1"/>
+                </a:solidFill>
+                <a:latin typeface="Arial" charset="0"/>
+                <a:ea typeface="Dotum" pitchFamily="50" charset="-127"/>
+                <a:sym typeface="Wingdings" pitchFamily="2" charset="2"/>
+              </a:defRPr>
+            </a:lvl4pPr>
+            <a:lvl5pPr marL="2057400" indent="-228600" eaLnBrk="0" hangingPunct="0">
+              <a:defRPr kumimoji="1" sz="1200" b="1">
+                <a:solidFill>
+                  <a:schemeClr val="tx1"/>
+                </a:solidFill>
+                <a:latin typeface="Arial" charset="0"/>
+                <a:ea typeface="Dotum" pitchFamily="50" charset="-127"/>
+                <a:sym typeface="Wingdings" pitchFamily="2" charset="2"/>
+              </a:defRPr>
+            </a:lvl5pPr>
+            <a:lvl6pPr marL="2514600" indent="-228600" algn="ctr" eaLnBrk="0" fontAlgn="base" hangingPunct="0">
+              <a:spcBef>
+                <a:spcPct val="0"/>
+              </a:spcBef>
+              <a:spcAft>
+                <a:spcPct val="0"/>
+              </a:spcAft>
+              <a:buClr>
+                <a:schemeClr val="tx1"/>
+              </a:buClr>
+              <a:buFont typeface="Wingdings" pitchFamily="2" charset="2"/>
+              <a:buChar char="§"/>
+              <a:defRPr kumimoji="1" sz="1200" b="1">
+                <a:solidFill>
+                  <a:schemeClr val="tx1"/>
+                </a:solidFill>
+                <a:latin typeface="Arial" charset="0"/>
+                <a:ea typeface="Dotum" pitchFamily="50" charset="-127"/>
+                <a:sym typeface="Wingdings" pitchFamily="2" charset="2"/>
+              </a:defRPr>
+            </a:lvl6pPr>
+            <a:lvl7pPr marL="2971800" indent="-228600" algn="ctr" eaLnBrk="0" fontAlgn="base" hangingPunct="0">
+              <a:spcBef>
+                <a:spcPct val="0"/>
+              </a:spcBef>
+              <a:spcAft>
+                <a:spcPct val="0"/>
+              </a:spcAft>
+              <a:buClr>
+                <a:schemeClr val="tx1"/>
+              </a:buClr>
+              <a:buFont typeface="Wingdings" pitchFamily="2" charset="2"/>
+              <a:buChar char="§"/>
+              <a:defRPr kumimoji="1" sz="1200" b="1">
+                <a:solidFill>
+                  <a:schemeClr val="tx1"/>
+                </a:solidFill>
+                <a:latin typeface="Arial" charset="0"/>
+                <a:ea typeface="Dotum" pitchFamily="50" charset="-127"/>
+                <a:sym typeface="Wingdings" pitchFamily="2" charset="2"/>
+              </a:defRPr>
+            </a:lvl7pPr>
+            <a:lvl8pPr marL="3429000" indent="-228600" algn="ctr" eaLnBrk="0" fontAlgn="base" hangingPunct="0">
+              <a:spcBef>
+                <a:spcPct val="0"/>
+              </a:spcBef>
+              <a:spcAft>
+                <a:spcPct val="0"/>
+              </a:spcAft>
+              <a:buClr>
+                <a:schemeClr val="tx1"/>
+              </a:buClr>
+              <a:buFont typeface="Wingdings" pitchFamily="2" charset="2"/>
+              <a:buChar char="§"/>
+              <a:defRPr kumimoji="1" sz="1200" b="1">
+                <a:solidFill>
+                  <a:schemeClr val="tx1"/>
+                </a:solidFill>
+                <a:latin typeface="Arial" charset="0"/>
+                <a:ea typeface="Dotum" pitchFamily="50" charset="-127"/>
+                <a:sym typeface="Wingdings" pitchFamily="2" charset="2"/>
+              </a:defRPr>
+            </a:lvl8pPr>
+            <a:lvl9pPr marL="3886200" indent="-228600" algn="ctr" eaLnBrk="0" fontAlgn="base" hangingPunct="0">
+              <a:spcBef>
+                <a:spcPct val="0"/>
+              </a:spcBef>
+              <a:spcAft>
+                <a:spcPct val="0"/>
+              </a:spcAft>
+              <a:buClr>
+                <a:schemeClr val="tx1"/>
+              </a:buClr>
+              <a:buFont typeface="Wingdings" pitchFamily="2" charset="2"/>
+              <a:buChar char="§"/>
+              <a:defRPr kumimoji="1" sz="1200" b="1">
+                <a:solidFill>
+                  <a:schemeClr val="tx1"/>
+                </a:solidFill>
+                <a:latin typeface="Arial" charset="0"/>
+                <a:ea typeface="Dotum" pitchFamily="50" charset="-127"/>
+                <a:sym typeface="Wingdings" pitchFamily="2" charset="2"/>
+              </a:defRPr>
+            </a:lvl9pPr>
+          </a:lstStyle>
+          <a:p>
+            <a:pPr algn="ctr" defTabSz="844083" eaLnBrk="1" hangingPunct="1"/>
+            <a:r>
+              <a:rPr lang="en-US" altLang="ko-KR" sz="1477" dirty="0" smtClean="0">
+                <a:solidFill>
+                  <a:srgbClr val="000000"/>
+                </a:solidFill>
+                <a:latin typeface="Arial Narrow" panose="020B0606020202030204" pitchFamily="34" charset="0"/>
+                <a:ea typeface="LG스마트체 Regular" panose="020B0600000101010101" pitchFamily="50" charset="-127"/>
+                <a:cs typeface="Arial" panose="020B0604020202020204" pitchFamily="34" charset="0"/>
+              </a:rPr>
+              <a:t>LGEDV </a:t>
+            </a:r>
+            <a:r>
+              <a:rPr lang="en-US" altLang="ko-KR" sz="1477" dirty="0">
+                <a:solidFill>
+                  <a:srgbClr val="000000"/>
+                </a:solidFill>
+                <a:latin typeface="Arial Narrow" panose="020B0606020202030204" pitchFamily="34" charset="0"/>
+                <a:ea typeface="LG스마트체 Regular" panose="020B0600000101010101" pitchFamily="50" charset="-127"/>
+                <a:cs typeface="Arial" panose="020B0604020202020204" pitchFamily="34" charset="0"/>
+              </a:rPr>
+              <a:t>DANANG</a:t>
+            </a:r>
+            <a:endParaRPr lang="ko-KR" altLang="en-US" sz="1477" dirty="0">
+              <a:solidFill>
+                <a:srgbClr val="000000"/>
+              </a:solidFill>
+              <a:latin typeface="Arial Narrow" panose="020B0606020202030204" pitchFamily="34" charset="0"/>
+              <a:ea typeface="LG스마트체 Regular" panose="020B0600000101010101" pitchFamily="50" charset="-127"/>
+              <a:cs typeface="Arial" panose="020B0604020202020204" pitchFamily="34" charset="0"/>
+            </a:endParaRPr>
+          </a:p>
+        </p:txBody>
+      </p:sp>
+      <p:sp>
+        <p:nvSpPr>
+          <p:cNvPr id="9" name="Rectangle 8"/>
           <p:cNvSpPr/>
           <p:nvPr/>
         </p:nvSpPr>
         <p:spPr>
           <a:xfrm>
-            <a:off x="579717" y="1990165"/>
-            <a:ext cx="9747623" cy="2719294"/>
+            <a:off x="0" y="1113022"/>
+            <a:ext cx="12192000" cy="118111"/>
           </a:xfrm>
           <a:prstGeom prst="rect">
             <a:avLst/>
@@ -7612,15 +8027,15 @@
         </p:spPr>
         <p:style>
           <a:lnRef idx="2">
-            <a:schemeClr val="accent1">
+            <a:schemeClr val="dk1">
               <a:shade val="50000"/>
             </a:schemeClr>
           </a:lnRef>
           <a:fillRef idx="1">
-            <a:schemeClr val="accent1"/>
+            <a:schemeClr val="dk1"/>
           </a:fillRef>
           <a:effectRef idx="0">
-            <a:schemeClr val="accent1"/>
+            <a:schemeClr val="dk1"/>
           </a:effectRef>
           <a:fontRef idx="minor">
             <a:schemeClr val="lt1"/>
@@ -7630,65 +8045,143 @@
           <a:bodyPr rtlCol="0" anchor="ctr"/>
           <a:lstStyle/>
           <a:p>
-            <a:r>
-              <a:rPr lang="en-US"/>
-              <a:t>Phần 1: Overview</a:t>
-            </a:r>
-          </a:p>
-          <a:p>
-            <a:pPr fontAlgn="ctr"/>
-            <a:r>
-              <a:rPr lang="en-US"/>
-              <a:t>Giới thiệu về LSM, chức năng, context diagram: Trieu Phan</a:t>
-            </a:r>
-          </a:p>
-          <a:p>
-            <a:pPr fontAlgn="ctr"/>
-            <a:r>
-              <a:rPr lang="en-US"/>
-              <a:t>Wayland protocol, Wayland EGL, Wayland Adaptation: Trieu Tran</a:t>
-            </a:r>
-          </a:p>
-          <a:p>
-            <a:pPr fontAlgn="ctr"/>
-            <a:r>
-              <a:rPr lang="en-US"/>
-              <a:t>QPA - Qt Platform Abstraction Trieu Phan.</a:t>
-            </a:r>
-          </a:p>
-          <a:p>
-            <a:r>
-              <a:rPr lang="en-US"/>
-              <a:t>Phần 2: Main content  - LSM Compositor</a:t>
-            </a:r>
-          </a:p>
-          <a:p>
-            <a:pPr fontAlgn="ctr"/>
-            <a:r>
-              <a:rPr lang="en-US"/>
-              <a:t>Giới thiệu chức năng chi tiết về LSM,  starfish LSM, component diagram: Trieu Tran</a:t>
-            </a:r>
-          </a:p>
-          <a:p>
-            <a:pPr fontAlgn="ctr"/>
-            <a:r>
-              <a:rPr lang="en-US"/>
-              <a:t>Internal sequence (start, ..): Trieu Tran</a:t>
-            </a:r>
-          </a:p>
-          <a:p>
-            <a:pPr fontAlgn="ctr"/>
-            <a:r>
-              <a:rPr lang="en-US"/>
-              <a:t>Các external API - sequence: Trieu Phan.</a:t>
-            </a:r>
+            <a:pPr algn="ctr"/>
+            <a:endParaRPr lang="en-US">
+              <a:solidFill>
+                <a:schemeClr val="tx1"/>
+              </a:solidFill>
+            </a:endParaRPr>
+          </a:p>
+        </p:txBody>
+      </p:sp>
+      <p:sp>
+        <p:nvSpPr>
+          <p:cNvPr id="11" name="TextBox 10"/>
+          <p:cNvSpPr txBox="1"/>
+          <p:nvPr/>
+        </p:nvSpPr>
+        <p:spPr>
+          <a:xfrm>
+            <a:off x="247650" y="466691"/>
+            <a:ext cx="3954096" cy="646331"/>
+          </a:xfrm>
+          <a:prstGeom prst="rect">
+            <a:avLst/>
+          </a:prstGeom>
+          <a:noFill/>
+        </p:spPr>
+        <p:txBody>
+          <a:bodyPr wrap="none" rtlCol="0">
+            <a:spAutoFit/>
+          </a:bodyPr>
+          <a:lstStyle/>
+          <a:p>
+            <a:r>
+              <a:rPr lang="en-US" sz="3600" b="1" dirty="0" smtClean="0"/>
+              <a:t>LSM – External APIs</a:t>
+            </a:r>
+            <a:endParaRPr lang="en-US" sz="3600" b="1" dirty="0"/>
+          </a:p>
+        </p:txBody>
+      </p:sp>
+      <p:pic>
+        <p:nvPicPr>
+          <p:cNvPr id="8" name="Picture 7"/>
+          <p:cNvPicPr>
+            <a:picLocks noChangeAspect="1"/>
+          </p:cNvPicPr>
+          <p:nvPr/>
+        </p:nvPicPr>
+        <p:blipFill>
+          <a:blip r:embed="rId2" cstate="print">
+            <a:extLst>
+              <a:ext uri="{28A0092B-C50C-407E-A947-70E740481C1C}">
+                <a14:useLocalDpi xmlns:a14="http://schemas.microsoft.com/office/drawing/2010/main" val="0"/>
+              </a:ext>
+            </a:extLst>
+          </a:blip>
+          <a:stretch>
+            <a:fillRect/>
+          </a:stretch>
+        </p:blipFill>
+        <p:spPr>
+          <a:xfrm>
+            <a:off x="10423134" y="302043"/>
+            <a:ext cx="1440160" cy="630070"/>
+          </a:xfrm>
+          <a:prstGeom prst="rect">
+            <a:avLst/>
+          </a:prstGeom>
+        </p:spPr>
+      </p:pic>
+      <p:pic>
+        <p:nvPicPr>
+          <p:cNvPr id="2" name="Picture 1"/>
+          <p:cNvPicPr>
+            <a:picLocks noChangeAspect="1"/>
+          </p:cNvPicPr>
+          <p:nvPr/>
+        </p:nvPicPr>
+        <p:blipFill>
+          <a:blip r:embed="rId3">
+            <a:extLst>
+              <a:ext uri="{28A0092B-C50C-407E-A947-70E740481C1C}">
+                <a14:useLocalDpi xmlns:a14="http://schemas.microsoft.com/office/drawing/2010/main" val="0"/>
+              </a:ext>
+            </a:extLst>
+          </a:blip>
+          <a:stretch>
+            <a:fillRect/>
+          </a:stretch>
+        </p:blipFill>
+        <p:spPr>
+          <a:xfrm>
+            <a:off x="944282" y="1719888"/>
+            <a:ext cx="10303436" cy="4470602"/>
+          </a:xfrm>
+          <a:prstGeom prst="rect">
+            <a:avLst/>
+          </a:prstGeom>
+        </p:spPr>
+      </p:pic>
+      <p:sp>
+        <p:nvSpPr>
+          <p:cNvPr id="3" name="TextBox 2"/>
+          <p:cNvSpPr txBox="1"/>
+          <p:nvPr/>
+        </p:nvSpPr>
+        <p:spPr>
+          <a:xfrm>
+            <a:off x="255697" y="1290844"/>
+            <a:ext cx="2348720" cy="369332"/>
+          </a:xfrm>
+          <a:prstGeom prst="rect">
+            <a:avLst/>
+          </a:prstGeom>
+          <a:noFill/>
+        </p:spPr>
+        <p:txBody>
+          <a:bodyPr wrap="none" rtlCol="0">
+            <a:spAutoFit/>
+          </a:bodyPr>
+          <a:lstStyle/>
+          <a:p>
+            <a:r>
+              <a:rPr lang="en-US" dirty="0" smtClean="0"/>
+              <a:t>API: </a:t>
+            </a:r>
+            <a:r>
+              <a:rPr lang="en-US" dirty="0" err="1" smtClean="0"/>
+              <a:t>setDisplayWindow</a:t>
+            </a:r>
+            <a:endParaRPr lang="en-US" dirty="0"/>
           </a:p>
         </p:txBody>
       </p:sp>
     </p:spTree>
     <p:extLst>
       <p:ext uri="{BB962C8B-B14F-4D97-AF65-F5344CB8AC3E}">
-        <p14:creationId xmlns:p14="http://schemas.microsoft.com/office/powerpoint/2010/main" val="2843810777"/>
+        <p14:creationId xmlns:p14="http://schemas.microsoft.com/office/powerpoint/2010/main" val="3107807526"/>
       </p:ext>
     </p:extLst>
   </p:cSld>
